--- a/Gestion de projet/Présentation semaine 3.pptx
+++ b/Gestion de projet/Présentation semaine 3.pptx
@@ -8,8 +8,7 @@
     <p:sldId id="256" r:id="rId5"/>
     <p:sldId id="259" r:id="rId6"/>
     <p:sldId id="261" r:id="rId7"/>
-    <p:sldId id="260" r:id="rId8"/>
-    <p:sldId id="258" r:id="rId9"/>
+    <p:sldId id="258" r:id="rId8"/>
   </p:sldIdLst>
   <p:sldSz cx="12192000" cy="6858000"/>
   <p:notesSz cx="6858000" cy="9144000"/>
@@ -273,7 +272,7 @@
           <a:p>
             <a:fld id="{F4D57BDD-E64A-4D27-8978-82FFCA18A12C}" type="datetimeFigureOut">
               <a:rPr lang="en-US" smtClean="0"/>
-              <a:t>9/18/2020</a:t>
+              <a:t>9/21/2020</a:t>
             </a:fld>
             <a:endParaRPr lang="en-US"/>
           </a:p>
@@ -482,7 +481,7 @@
           <a:p>
             <a:fld id="{F4D57BDD-E64A-4D27-8978-82FFCA18A12C}" type="datetimeFigureOut">
               <a:rPr lang="en-US" smtClean="0"/>
-              <a:t>9/18/2020</a:t>
+              <a:t>9/21/2020</a:t>
             </a:fld>
             <a:endParaRPr lang="en-US"/>
           </a:p>
@@ -690,7 +689,7 @@
           <a:p>
             <a:fld id="{F4D57BDD-E64A-4D27-8978-82FFCA18A12C}" type="datetimeFigureOut">
               <a:rPr lang="en-US" smtClean="0"/>
-              <a:t>9/18/2020</a:t>
+              <a:t>9/21/2020</a:t>
             </a:fld>
             <a:endParaRPr lang="en-US"/>
           </a:p>
@@ -888,7 +887,7 @@
           <a:p>
             <a:fld id="{F4D57BDD-E64A-4D27-8978-82FFCA18A12C}" type="datetimeFigureOut">
               <a:rPr lang="en-US" smtClean="0"/>
-              <a:t>9/18/2020</a:t>
+              <a:t>9/21/2020</a:t>
             </a:fld>
             <a:endParaRPr lang="en-US"/>
           </a:p>
@@ -1164,7 +1163,7 @@
           <a:p>
             <a:fld id="{F4D57BDD-E64A-4D27-8978-82FFCA18A12C}" type="datetimeFigureOut">
               <a:rPr lang="en-US" smtClean="0"/>
-              <a:t>9/18/2020</a:t>
+              <a:t>9/21/2020</a:t>
             </a:fld>
             <a:endParaRPr lang="en-US"/>
           </a:p>
@@ -1436,7 +1435,7 @@
           <a:p>
             <a:fld id="{F4D57BDD-E64A-4D27-8978-82FFCA18A12C}" type="datetimeFigureOut">
               <a:rPr lang="en-US" smtClean="0"/>
-              <a:t>9/18/2020</a:t>
+              <a:t>9/21/2020</a:t>
             </a:fld>
             <a:endParaRPr lang="en-US"/>
           </a:p>
@@ -1850,7 +1849,7 @@
           <a:p>
             <a:fld id="{F4D57BDD-E64A-4D27-8978-82FFCA18A12C}" type="datetimeFigureOut">
               <a:rPr lang="en-US" smtClean="0"/>
-              <a:t>9/18/2020</a:t>
+              <a:t>9/21/2020</a:t>
             </a:fld>
             <a:endParaRPr lang="en-US"/>
           </a:p>
@@ -1997,7 +1996,7 @@
           <a:p>
             <a:fld id="{F4D57BDD-E64A-4D27-8978-82FFCA18A12C}" type="datetimeFigureOut">
               <a:rPr lang="en-US" smtClean="0"/>
-              <a:t>9/18/2020</a:t>
+              <a:t>9/21/2020</a:t>
             </a:fld>
             <a:endParaRPr lang="en-US"/>
           </a:p>
@@ -2110,7 +2109,7 @@
           <a:p>
             <a:fld id="{F4D57BDD-E64A-4D27-8978-82FFCA18A12C}" type="datetimeFigureOut">
               <a:rPr lang="en-US" smtClean="0"/>
-              <a:t>9/18/2020</a:t>
+              <a:t>9/21/2020</a:t>
             </a:fld>
             <a:endParaRPr lang="en-US"/>
           </a:p>
@@ -2422,7 +2421,7 @@
           <a:p>
             <a:fld id="{F4D57BDD-E64A-4D27-8978-82FFCA18A12C}" type="datetimeFigureOut">
               <a:rPr lang="en-US" smtClean="0"/>
-              <a:t>9/18/2020</a:t>
+              <a:t>9/21/2020</a:t>
             </a:fld>
             <a:endParaRPr lang="en-US"/>
           </a:p>
@@ -2713,7 +2712,7 @@
           <a:p>
             <a:fld id="{F4D57BDD-E64A-4D27-8978-82FFCA18A12C}" type="datetimeFigureOut">
               <a:rPr lang="en-US" smtClean="0"/>
-              <a:t>9/18/2020</a:t>
+              <a:t>9/21/2020</a:t>
             </a:fld>
             <a:endParaRPr lang="en-US"/>
           </a:p>
@@ -2955,7 +2954,7 @@
             <a:fld id="{F4D57BDD-E64A-4D27-8978-82FFCA18A12C}" type="datetimeFigureOut">
               <a:rPr lang="en-US" smtClean="0"/>
               <a:pPr/>
-              <a:t>9/18/2020</a:t>
+              <a:t>9/21/2020</a:t>
             </a:fld>
             <a:endParaRPr lang="en-US" dirty="0"/>
           </a:p>
@@ -7661,7 +7660,7 @@
         </p:nvSpPr>
         <p:spPr>
           <a:xfrm>
-            <a:off x="4910137" y="2123041"/>
+            <a:off x="4962525" y="1726683"/>
             <a:ext cx="2266950" cy="369332"/>
           </a:xfrm>
           <a:prstGeom prst="rect">
@@ -7696,8 +7695,8 @@
         </p:nvSpPr>
         <p:spPr>
           <a:xfrm>
-            <a:off x="1352550" y="2888300"/>
-            <a:ext cx="9382124" cy="1815882"/>
+            <a:off x="1404938" y="2311398"/>
+            <a:ext cx="9382124" cy="3693319"/>
           </a:xfrm>
           <a:prstGeom prst="rect">
             <a:avLst/>
@@ -7736,16 +7735,7 @@
               <a:buFontTx/>
               <a:buChar char="-"/>
             </a:pPr>
-            <a:r>
-              <a:rPr lang="fr-FR" dirty="0"/>
-              <a:t>Faire l’introduction du rapport sur tout ce qui a été trouvé lors de la semaine 1</a:t>
-            </a:r>
-          </a:p>
-          <a:p>
-            <a:r>
-              <a:rPr lang="fr-FR" dirty="0"/>
-              <a:t> </a:t>
-            </a:r>
+            <a:endParaRPr lang="fr-FR" sz="1400" dirty="0"/>
           </a:p>
           <a:p>
             <a:pPr marL="285750" indent="-285750">
@@ -7753,12 +7743,77 @@
               <a:buChar char="-"/>
             </a:pPr>
             <a:r>
-              <a:rPr lang="fr-FR" dirty="0"/>
-              <a:t>Préparer une analyse descriptive des données (courses, constructeurs, drivers)</a:t>
-            </a:r>
-          </a:p>
-          <a:p>
-            <a:endParaRPr lang="fr-FR" sz="1400" dirty="0"/>
+              <a:rPr lang="fr-FR" sz="1600" dirty="0"/>
+              <a:t>Elaboration de la stratégie d’extraction et de réception des données avec la description des données sources</a:t>
+            </a:r>
+          </a:p>
+          <a:p>
+            <a:pPr marL="285750" indent="-285750">
+              <a:buFontTx/>
+              <a:buChar char="-"/>
+            </a:pPr>
+            <a:endParaRPr lang="fr-FR" sz="1600" dirty="0"/>
+          </a:p>
+          <a:p>
+            <a:pPr marL="285750" indent="-285750">
+              <a:buFontTx/>
+              <a:buChar char="-"/>
+            </a:pPr>
+            <a:r>
+              <a:rPr lang="fr-FR" sz="1600" dirty="0"/>
+              <a:t>Elaboration de la stratégie de qualification des données. Génération de 2 CSV qui prend en compte d’un côté les pilotes et de l’autre les écuries</a:t>
+            </a:r>
+          </a:p>
+          <a:p>
+            <a:pPr marL="285750" indent="-285750">
+              <a:buFontTx/>
+              <a:buChar char="-"/>
+            </a:pPr>
+            <a:endParaRPr lang="fr-FR" sz="1600" dirty="0"/>
+          </a:p>
+          <a:p>
+            <a:pPr marL="285750" indent="-285750">
+              <a:buFontTx/>
+              <a:buChar char="-"/>
+            </a:pPr>
+            <a:r>
+              <a:rPr lang="fr-FR" sz="1600" dirty="0"/>
+              <a:t>Documentation : étude réalisée sur les écuries de F1, leurs investissements, leurs rentabilités</a:t>
+            </a:r>
+          </a:p>
+          <a:p>
+            <a:pPr marL="285750" indent="-285750">
+              <a:buFontTx/>
+              <a:buChar char="-"/>
+            </a:pPr>
+            <a:endParaRPr lang="fr-FR" sz="1600" dirty="0"/>
+          </a:p>
+          <a:p>
+            <a:pPr marL="285750" indent="-285750">
+              <a:buFontTx/>
+              <a:buChar char="-"/>
+            </a:pPr>
+            <a:r>
+              <a:rPr lang="fr-FR" sz="1600" dirty="0"/>
+              <a:t>Etude du besoin en terme d’analyse prédictive avec la recherche de modèles statistiques ou de modèles de Machine Learning</a:t>
+            </a:r>
+          </a:p>
+          <a:p>
+            <a:pPr marL="285750" indent="-285750">
+              <a:buFontTx/>
+              <a:buChar char="-"/>
+            </a:pPr>
+            <a:endParaRPr lang="fr-FR" sz="1600" dirty="0"/>
+          </a:p>
+          <a:p>
+            <a:pPr marL="285750" indent="-285750">
+              <a:buFontTx/>
+              <a:buChar char="-"/>
+            </a:pPr>
+            <a:r>
+              <a:rPr lang="fr-FR" sz="1600" dirty="0"/>
+              <a:t>Réalisation de l’introduction du rapport final avec un état de l’art sur les recherches de la semaine dernière</a:t>
+            </a:r>
           </a:p>
         </p:txBody>
       </p:sp>
@@ -8187,71 +8242,6 @@
           <p:cNvPr id="2" name="Titre 1">
             <a:extLst>
               <a:ext uri="{FF2B5EF4-FFF2-40B4-BE49-F238E27FC236}">
-                <a16:creationId xmlns:a16="http://schemas.microsoft.com/office/drawing/2014/main" id="{072C1472-C206-423C-A415-2ADE0E60249C}"/>
-              </a:ext>
-            </a:extLst>
-          </p:cNvPr>
-          <p:cNvSpPr>
-            <a:spLocks noGrp="1"/>
-          </p:cNvSpPr>
-          <p:nvPr>
-            <p:ph type="title"/>
-          </p:nvPr>
-        </p:nvSpPr>
-        <p:spPr>
-          <a:xfrm>
-            <a:off x="762000" y="990600"/>
-            <a:ext cx="9144000" cy="714375"/>
-          </a:xfrm>
-        </p:spPr>
-        <p:txBody>
-          <a:bodyPr>
-            <a:normAutofit fontScale="90000"/>
-          </a:bodyPr>
-          <a:lstStyle/>
-          <a:p>
-            <a:r>
-              <a:rPr lang="fr-FR" dirty="0"/>
-              <a:t>Travail réalisée lors de la semaine 1</a:t>
-            </a:r>
-          </a:p>
-        </p:txBody>
-      </p:sp>
-    </p:spTree>
-    <p:extLst>
-      <p:ext uri="{BB962C8B-B14F-4D97-AF65-F5344CB8AC3E}">
-        <p14:creationId xmlns:p14="http://schemas.microsoft.com/office/powerpoint/2010/main" val="3734706533"/>
-      </p:ext>
-    </p:extLst>
-  </p:cSld>
-  <p:clrMapOvr>
-    <a:masterClrMapping/>
-  </p:clrMapOvr>
-</p:sld>
-</file>
-
-<file path=ppt/slides/slide5.xml><?xml version="1.0" encoding="utf-8"?>
-<p:sld xmlns:a="http://schemas.openxmlformats.org/drawingml/2006/main" xmlns:r="http://schemas.openxmlformats.org/officeDocument/2006/relationships" xmlns:p="http://schemas.openxmlformats.org/presentationml/2006/main">
-  <p:cSld>
-    <p:spTree>
-      <p:nvGrpSpPr>
-        <p:cNvPr id="1" name=""/>
-        <p:cNvGrpSpPr/>
-        <p:nvPr/>
-      </p:nvGrpSpPr>
-      <p:grpSpPr>
-        <a:xfrm>
-          <a:off x="0" y="0"/>
-          <a:ext cx="0" cy="0"/>
-          <a:chOff x="0" y="0"/>
-          <a:chExt cx="0" cy="0"/>
-        </a:xfrm>
-      </p:grpSpPr>
-      <p:sp>
-        <p:nvSpPr>
-          <p:cNvPr id="2" name="Titre 1">
-            <a:extLst>
-              <a:ext uri="{FF2B5EF4-FFF2-40B4-BE49-F238E27FC236}">
                 <a16:creationId xmlns:a16="http://schemas.microsoft.com/office/drawing/2014/main" id="{F5299031-04D8-49D8-A684-422D2A4E1953}"/>
               </a:ext>
             </a:extLst>
@@ -8295,7 +8285,7 @@
         <p:spPr>
           <a:xfrm>
             <a:off x="1019175" y="2520948"/>
-            <a:ext cx="5038725" cy="2031325"/>
+            <a:ext cx="5038725" cy="3016210"/>
           </a:xfrm>
           <a:prstGeom prst="rect">
             <a:avLst/>
@@ -8319,11 +8309,11 @@
                   <a:srgbClr val="FF0000"/>
                 </a:solidFill>
               </a:rPr>
-              <a:t>SEMAINE 2 </a:t>
+              <a:t>SEMAINE 3 </a:t>
             </a:r>
             <a:r>
               <a:rPr lang="fr-FR" dirty="0"/>
-              <a:t>(du 14/09/2020 au 20/09/2020)</a:t>
+              <a:t>(du 21/09/2020 au 28/09/2020)</a:t>
             </a:r>
           </a:p>
           <a:p>
@@ -8336,13 +8326,7 @@
             </a:pPr>
             <a:r>
               <a:rPr lang="fr-FR" sz="1600" dirty="0"/>
-              <a:t>Faire l’introduction du rapport sur tout ce qui a été trouvé lors de la semaine 1</a:t>
-            </a:r>
-          </a:p>
-          <a:p>
-            <a:r>
-              <a:rPr lang="fr-FR" sz="1600" dirty="0"/>
-              <a:t> </a:t>
+              <a:t>Rédaction de l’élaboration des stratégies adoptées pour la gestion des données </a:t>
             </a:r>
           </a:p>
           <a:p>
@@ -8350,11 +8334,34 @@
               <a:buFontTx/>
               <a:buChar char="-"/>
             </a:pPr>
+            <a:endParaRPr lang="fr-FR" sz="1600" dirty="0"/>
+          </a:p>
+          <a:p>
+            <a:pPr marL="285750" indent="-285750">
+              <a:buFontTx/>
+              <a:buChar char="-"/>
+            </a:pPr>
             <a:r>
               <a:rPr lang="fr-FR" sz="1600" dirty="0"/>
-              <a:t>Préparer une analyse descriptive des données (courses, constructeurs, drivers)</a:t>
-            </a:r>
-            <a:endParaRPr lang="fr-FR" dirty="0"/>
+              <a:t>Elaboration de la base de données et réflexion sur le rafraichissement de celle-ci</a:t>
+            </a:r>
+          </a:p>
+          <a:p>
+            <a:pPr marL="285750" indent="-285750">
+              <a:buFontTx/>
+              <a:buChar char="-"/>
+            </a:pPr>
+            <a:endParaRPr lang="fr-FR" sz="1600" dirty="0"/>
+          </a:p>
+          <a:p>
+            <a:pPr marL="285750" indent="-285750">
+              <a:buFontTx/>
+              <a:buChar char="-"/>
+            </a:pPr>
+            <a:r>
+              <a:rPr lang="fr-FR" sz="1600" dirty="0"/>
+              <a:t>Continuer la partie documentation avec une étude sur l’expression des besoins détaillée à partir du travail fait la semaine dernière</a:t>
+            </a:r>
           </a:p>
         </p:txBody>
       </p:sp>
@@ -8432,11 +8439,11 @@
                   <a:srgbClr val="FF0000"/>
                 </a:solidFill>
               </a:rPr>
-              <a:t>SEMAINE 3 </a:t>
+              <a:t>SEMAINE 4 </a:t>
             </a:r>
             <a:r>
               <a:rPr lang="fr-FR" dirty="0"/>
-              <a:t>(du 21/09/2020 au 27/09/2020)</a:t>
+              <a:t>(du 29/09/2020 au 04/10/2020)</a:t>
             </a:r>
             <a:endParaRPr lang="fr-FR" sz="2800" dirty="0"/>
           </a:p>
@@ -8456,7 +8463,7 @@
             </a:pPr>
             <a:r>
               <a:rPr lang="fr-FR" sz="1600" dirty="0"/>
-              <a:t>Continuer l'analyse prédictive puis préparer les données en fonction de nos besoins</a:t>
+              <a:t>Commencer l'analyse prédictive à partir de la base de données</a:t>
             </a:r>
           </a:p>
           <a:p>
@@ -8472,7 +8479,7 @@
             </a:pPr>
             <a:r>
               <a:rPr lang="fr-FR" sz="1600" dirty="0"/>
-              <a:t>Avec le travail de la semaine 2, voir ce qu'il est déjà possible de faire (graphiques simples sur différentes évolutions par exemple...)</a:t>
+              <a:t>Avec le travail de la semaine 3, voir ce qu'il est déjà possible de faire (graphiques simples sur différentes évolutions par exemple...) pour lotir le projet</a:t>
             </a:r>
           </a:p>
           <a:p>
@@ -8488,7 +8495,7 @@
             </a:pPr>
             <a:r>
               <a:rPr lang="fr-FR" sz="1600" dirty="0"/>
-              <a:t>Recherche de choix d'un modèle de Machine Learning </a:t>
+              <a:t>Validation intermédiaire de la conception et de la réalisation </a:t>
             </a:r>
           </a:p>
         </p:txBody>
@@ -8743,6 +8750,15 @@
 </file>
 
 <file path=customXml/item1.xml><?xml version="1.0" encoding="utf-8"?>
+<?mso-contentType ?>
+<FormTemplates xmlns="http://schemas.microsoft.com/sharepoint/v3/contenttype/forms">
+  <Display>DocumentLibraryForm</Display>
+  <Edit>DocumentLibraryForm</Edit>
+  <New>DocumentLibraryForm</New>
+</FormTemplates>
+</file>
+
+<file path=customXml/item2.xml><?xml version="1.0" encoding="utf-8"?>
 <ct:contentTypeSchema xmlns:ct="http://schemas.microsoft.com/office/2006/metadata/contentType" xmlns:ma="http://schemas.microsoft.com/office/2006/metadata/properties/metaAttributes" ct:_="" ma:_="" ma:contentTypeName="Document" ma:contentTypeID="0x010100F91CA58AEA67DE46B8842B73E9BA612D" ma:contentTypeVersion="11" ma:contentTypeDescription="Crée un document." ma:contentTypeScope="" ma:versionID="a9fb925ac88f6f75396dc2d054661b1d">
   <xsd:schema xmlns:xsd="http://www.w3.org/2001/XMLSchema" xmlns:xs="http://www.w3.org/2001/XMLSchema" xmlns:p="http://schemas.microsoft.com/office/2006/metadata/properties" xmlns:ns3="c3d0b6cf-9588-47cf-a0bc-cf1957bdb512" xmlns:ns4="514b1ae2-3eed-4298-a95d-bd37742bc99c" targetNamespace="http://schemas.microsoft.com/office/2006/metadata/properties" ma:root="true" ma:fieldsID="a4b4deb9d201fd1586da5e3a26dd47a6" ns3:_="" ns4:_="">
     <xsd:import namespace="c3d0b6cf-9588-47cf-a0bc-cf1957bdb512"/>
@@ -8953,15 +8969,6 @@
 </ct:contentTypeSchema>
 </file>
 
-<file path=customXml/item2.xml><?xml version="1.0" encoding="utf-8"?>
-<?mso-contentType ?>
-<FormTemplates xmlns="http://schemas.microsoft.com/sharepoint/v3/contenttype/forms">
-  <Display>DocumentLibraryForm</Display>
-  <Edit>DocumentLibraryForm</Edit>
-  <New>DocumentLibraryForm</New>
-</FormTemplates>
-</file>
-
 <file path=customXml/item3.xml><?xml version="1.0" encoding="utf-8"?>
 <p:properties xmlns:p="http://schemas.microsoft.com/office/2006/metadata/properties" xmlns:xsi="http://www.w3.org/2001/XMLSchema-instance" xmlns:pc="http://schemas.microsoft.com/office/infopath/2007/PartnerControls">
   <documentManagement/>
@@ -8969,6 +8976,14 @@
 </file>
 
 <file path=customXml/itemProps1.xml><?xml version="1.0" encoding="utf-8"?>
+<ds:datastoreItem xmlns:ds="http://schemas.openxmlformats.org/officeDocument/2006/customXml" ds:itemID="{53CC9305-FEE6-4A65-BC1A-C2E65F6DE93B}">
+  <ds:schemaRefs>
+    <ds:schemaRef ds:uri="http://schemas.microsoft.com/sharepoint/v3/contenttype/forms"/>
+  </ds:schemaRefs>
+</ds:datastoreItem>
+</file>
+
+<file path=customXml/itemProps2.xml><?xml version="1.0" encoding="utf-8"?>
 <ds:datastoreItem xmlns:ds="http://schemas.openxmlformats.org/officeDocument/2006/customXml" ds:itemID="{93CBACE0-89BA-4A4D-838C-B101B4435DE1}">
   <ds:schemaRefs>
     <ds:schemaRef ds:uri="http://schemas.microsoft.com/office/2006/metadata/contentType"/>
@@ -8983,14 +8998,6 @@
     <ds:schemaRef ds:uri="http://purl.org/dc/elements/1.1/"/>
     <ds:schemaRef ds:uri="http://purl.org/dc/terms/"/>
     <ds:schemaRef ds:uri="http://schemas.microsoft.com/internal/obd"/>
-  </ds:schemaRefs>
-</ds:datastoreItem>
-</file>
-
-<file path=customXml/itemProps2.xml><?xml version="1.0" encoding="utf-8"?>
-<ds:datastoreItem xmlns:ds="http://schemas.openxmlformats.org/officeDocument/2006/customXml" ds:itemID="{53CC9305-FEE6-4A65-BC1A-C2E65F6DE93B}">
-  <ds:schemaRefs>
-    <ds:schemaRef ds:uri="http://schemas.microsoft.com/sharepoint/v3/contenttype/forms"/>
   </ds:schemaRefs>
 </ds:datastoreItem>
 </file>

--- a/Gestion de projet/Présentation semaine 3.pptx
+++ b/Gestion de projet/Présentation semaine 3.pptx
@@ -7,8 +7,9 @@
   <p:sldIdLst>
     <p:sldId id="256" r:id="rId5"/>
     <p:sldId id="259" r:id="rId6"/>
-    <p:sldId id="261" r:id="rId7"/>
-    <p:sldId id="258" r:id="rId8"/>
+    <p:sldId id="262" r:id="rId7"/>
+    <p:sldId id="261" r:id="rId8"/>
+    <p:sldId id="258" r:id="rId9"/>
   </p:sldIdLst>
   <p:sldSz cx="12192000" cy="6858000"/>
   <p:notesSz cx="6858000" cy="9144000"/>
@@ -121,6 +122,3044 @@
     <p1510:client id="{E3BDD565-FB7A-4073-B596-C016780354A7}" v="5" dt="2020-09-07T12:50:13.451"/>
   </p1510:revLst>
 </p1510:revInfo>
+</file>
+
+<file path=ppt/charts/chart1.xml><?xml version="1.0" encoding="utf-8"?>
+<c:chartSpace xmlns:c="http://schemas.openxmlformats.org/drawingml/2006/chart" xmlns:a="http://schemas.openxmlformats.org/drawingml/2006/main" xmlns:r="http://schemas.openxmlformats.org/officeDocument/2006/relationships" xmlns:c16r2="http://schemas.microsoft.com/office/drawing/2015/06/chart">
+  <c:date1904 val="0"/>
+  <c:lang val="fr-FR"/>
+  <c:roundedCorners val="0"/>
+  <mc:AlternateContent xmlns:mc="http://schemas.openxmlformats.org/markup-compatibility/2006">
+    <mc:Choice xmlns:c14="http://schemas.microsoft.com/office/drawing/2007/8/2/chart" Requires="c14">
+      <c14:style val="102"/>
+    </mc:Choice>
+    <mc:Fallback>
+      <c:style val="2"/>
+    </mc:Fallback>
+  </mc:AlternateContent>
+  <c:chart>
+    <c:title>
+      <c:tx>
+        <c:rich>
+          <a:bodyPr rot="0" spcFirstLastPara="1" vertOverflow="ellipsis" vert="horz" wrap="square" anchor="ctr" anchorCtr="1"/>
+          <a:lstStyle/>
+          <a:p>
+            <a:pPr>
+              <a:defRPr sz="1400" b="0" i="0" u="none" strike="noStrike" kern="1200" spc="0" baseline="0">
+                <a:solidFill>
+                  <a:schemeClr val="tx1">
+                    <a:lumMod val="65000"/>
+                    <a:lumOff val="35000"/>
+                  </a:schemeClr>
+                </a:solidFill>
+                <a:latin typeface="+mn-lt"/>
+                <a:ea typeface="+mn-ea"/>
+                <a:cs typeface="+mn-cs"/>
+              </a:defRPr>
+            </a:pPr>
+            <a:r>
+              <a:rPr lang="fr-FR" sz="1800" dirty="0"/>
+              <a:t>Classement Constructeurs 2018</a:t>
+            </a:r>
+          </a:p>
+        </c:rich>
+      </c:tx>
+      <c:layout>
+        <c:manualLayout>
+          <c:xMode val="edge"/>
+          <c:yMode val="edge"/>
+          <c:x val="0.15209711286089239"/>
+          <c:y val="2.7777777777777776E-2"/>
+        </c:manualLayout>
+      </c:layout>
+      <c:overlay val="0"/>
+      <c:spPr>
+        <a:noFill/>
+        <a:ln>
+          <a:noFill/>
+        </a:ln>
+        <a:effectLst/>
+      </c:spPr>
+      <c:txPr>
+        <a:bodyPr rot="0" spcFirstLastPara="1" vertOverflow="ellipsis" vert="horz" wrap="square" anchor="ctr" anchorCtr="1"/>
+        <a:lstStyle/>
+        <a:p>
+          <a:pPr>
+            <a:defRPr sz="1400" b="0" i="0" u="none" strike="noStrike" kern="1200" spc="0" baseline="0">
+              <a:solidFill>
+                <a:schemeClr val="tx1">
+                  <a:lumMod val="65000"/>
+                  <a:lumOff val="35000"/>
+                </a:schemeClr>
+              </a:solidFill>
+              <a:latin typeface="+mn-lt"/>
+              <a:ea typeface="+mn-ea"/>
+              <a:cs typeface="+mn-cs"/>
+            </a:defRPr>
+          </a:pPr>
+          <a:endParaRPr lang="fr-FR"/>
+        </a:p>
+      </c:txPr>
+    </c:title>
+    <c:autoTitleDeleted val="0"/>
+    <c:plotArea>
+      <c:layout/>
+      <c:barChart>
+        <c:barDir val="col"/>
+        <c:grouping val="clustered"/>
+        <c:varyColors val="0"/>
+        <c:ser>
+          <c:idx val="0"/>
+          <c:order val="0"/>
+          <c:tx>
+            <c:strRef>
+              <c:f>'2018'!$B$1</c:f>
+              <c:strCache>
+                <c:ptCount val="1"/>
+                <c:pt idx="0">
+                  <c:v>Budget saison en million</c:v>
+                </c:pt>
+              </c:strCache>
+            </c:strRef>
+          </c:tx>
+          <c:spPr>
+            <a:solidFill>
+              <a:schemeClr val="accent1"/>
+            </a:solidFill>
+            <a:ln>
+              <a:noFill/>
+            </a:ln>
+            <a:effectLst/>
+          </c:spPr>
+          <c:invertIfNegative val="0"/>
+          <c:cat>
+            <c:strRef>
+              <c:f>'2018'!$A$2:$A$11</c:f>
+              <c:strCache>
+                <c:ptCount val="10"/>
+                <c:pt idx="0">
+                  <c:v>Mercedes (1er)</c:v>
+                </c:pt>
+                <c:pt idx="1">
+                  <c:v>Ferrari (2eme)</c:v>
+                </c:pt>
+                <c:pt idx="2">
+                  <c:v>Red bull racing (3eme)</c:v>
+                </c:pt>
+                <c:pt idx="3">
+                  <c:v>Renault (4 eme)</c:v>
+                </c:pt>
+                <c:pt idx="4">
+                  <c:v>Haas (5 eme)</c:v>
+                </c:pt>
+                <c:pt idx="5">
+                  <c:v>McLaren (6 eme)</c:v>
+                </c:pt>
+                <c:pt idx="6">
+                  <c:v>Force India (7 eme)</c:v>
+                </c:pt>
+                <c:pt idx="7">
+                  <c:v>Alfa Romeo (8 eme)</c:v>
+                </c:pt>
+                <c:pt idx="8">
+                  <c:v>Scuderia Toro Rosso (9 eme)</c:v>
+                </c:pt>
+                <c:pt idx="9">
+                  <c:v>williams(10 eme</c:v>
+                </c:pt>
+              </c:strCache>
+            </c:strRef>
+          </c:cat>
+          <c:val>
+            <c:numRef>
+              <c:f>'2018'!$B$2:$B$11</c:f>
+              <c:numCache>
+                <c:formatCode>General</c:formatCode>
+                <c:ptCount val="10"/>
+                <c:pt idx="0">
+                  <c:v>352</c:v>
+                </c:pt>
+                <c:pt idx="1">
+                  <c:v>361</c:v>
+                </c:pt>
+                <c:pt idx="2">
+                  <c:v>272</c:v>
+                </c:pt>
+                <c:pt idx="3">
+                  <c:v>167</c:v>
+                </c:pt>
+                <c:pt idx="4">
+                  <c:v>115</c:v>
+                </c:pt>
+                <c:pt idx="5">
+                  <c:v>194</c:v>
+                </c:pt>
+                <c:pt idx="6">
+                  <c:v>105</c:v>
+                </c:pt>
+                <c:pt idx="7">
+                  <c:v>119</c:v>
+                </c:pt>
+                <c:pt idx="8">
+                  <c:v>132</c:v>
+                </c:pt>
+                <c:pt idx="9">
+                  <c:v>132</c:v>
+                </c:pt>
+              </c:numCache>
+            </c:numRef>
+          </c:val>
+          <c:extLst>
+            <c:ext xmlns:c16="http://schemas.microsoft.com/office/drawing/2014/chart" uri="{C3380CC4-5D6E-409C-BE32-E72D297353CC}">
+              <c16:uniqueId val="{00000000-A67E-4EB9-AD16-A1C01644928C}"/>
+            </c:ext>
+          </c:extLst>
+        </c:ser>
+        <c:ser>
+          <c:idx val="1"/>
+          <c:order val="1"/>
+          <c:tx>
+            <c:strRef>
+              <c:f>'2018'!$C$1</c:f>
+              <c:strCache>
+                <c:ptCount val="1"/>
+                <c:pt idx="0">
+                  <c:v>Nombre d'employés</c:v>
+                </c:pt>
+              </c:strCache>
+            </c:strRef>
+          </c:tx>
+          <c:spPr>
+            <a:solidFill>
+              <a:schemeClr val="accent2"/>
+            </a:solidFill>
+            <a:ln>
+              <a:noFill/>
+            </a:ln>
+            <a:effectLst/>
+          </c:spPr>
+          <c:invertIfNegative val="0"/>
+          <c:cat>
+            <c:strRef>
+              <c:f>'2018'!$A$2:$A$11</c:f>
+              <c:strCache>
+                <c:ptCount val="10"/>
+                <c:pt idx="0">
+                  <c:v>Mercedes (1er)</c:v>
+                </c:pt>
+                <c:pt idx="1">
+                  <c:v>Ferrari (2eme)</c:v>
+                </c:pt>
+                <c:pt idx="2">
+                  <c:v>Red bull racing (3eme)</c:v>
+                </c:pt>
+                <c:pt idx="3">
+                  <c:v>Renault (4 eme)</c:v>
+                </c:pt>
+                <c:pt idx="4">
+                  <c:v>Haas (5 eme)</c:v>
+                </c:pt>
+                <c:pt idx="5">
+                  <c:v>McLaren (6 eme)</c:v>
+                </c:pt>
+                <c:pt idx="6">
+                  <c:v>Force India (7 eme)</c:v>
+                </c:pt>
+                <c:pt idx="7">
+                  <c:v>Alfa Romeo (8 eme)</c:v>
+                </c:pt>
+                <c:pt idx="8">
+                  <c:v>Scuderia Toro Rosso (9 eme)</c:v>
+                </c:pt>
+                <c:pt idx="9">
+                  <c:v>williams(10 eme</c:v>
+                </c:pt>
+              </c:strCache>
+            </c:strRef>
+          </c:cat>
+          <c:val>
+            <c:numRef>
+              <c:f>'2018'!$C$2:$C$11</c:f>
+              <c:numCache>
+                <c:formatCode>General</c:formatCode>
+                <c:ptCount val="10"/>
+                <c:pt idx="0">
+                  <c:v>950</c:v>
+                </c:pt>
+                <c:pt idx="1">
+                  <c:v>950</c:v>
+                </c:pt>
+                <c:pt idx="2">
+                  <c:v>860</c:v>
+                </c:pt>
+                <c:pt idx="3">
+                  <c:v>680</c:v>
+                </c:pt>
+                <c:pt idx="4">
+                  <c:v>250</c:v>
+                </c:pt>
+                <c:pt idx="5">
+                  <c:v>760</c:v>
+                </c:pt>
+                <c:pt idx="6">
+                  <c:v>405</c:v>
+                </c:pt>
+                <c:pt idx="7">
+                  <c:v>400</c:v>
+                </c:pt>
+                <c:pt idx="8">
+                  <c:v>460</c:v>
+                </c:pt>
+                <c:pt idx="9">
+                  <c:v>630</c:v>
+                </c:pt>
+              </c:numCache>
+            </c:numRef>
+          </c:val>
+          <c:extLst>
+            <c:ext xmlns:c16="http://schemas.microsoft.com/office/drawing/2014/chart" uri="{C3380CC4-5D6E-409C-BE32-E72D297353CC}">
+              <c16:uniqueId val="{00000001-A67E-4EB9-AD16-A1C01644928C}"/>
+            </c:ext>
+          </c:extLst>
+        </c:ser>
+        <c:dLbls>
+          <c:showLegendKey val="0"/>
+          <c:showVal val="0"/>
+          <c:showCatName val="0"/>
+          <c:showSerName val="0"/>
+          <c:showPercent val="0"/>
+          <c:showBubbleSize val="0"/>
+        </c:dLbls>
+        <c:gapWidth val="219"/>
+        <c:overlap val="-27"/>
+        <c:axId val="696139704"/>
+        <c:axId val="696142264"/>
+      </c:barChart>
+      <c:catAx>
+        <c:axId val="696139704"/>
+        <c:scaling>
+          <c:orientation val="minMax"/>
+        </c:scaling>
+        <c:delete val="0"/>
+        <c:axPos val="b"/>
+        <c:numFmt formatCode="General" sourceLinked="1"/>
+        <c:majorTickMark val="none"/>
+        <c:minorTickMark val="none"/>
+        <c:tickLblPos val="nextTo"/>
+        <c:spPr>
+          <a:noFill/>
+          <a:ln w="9525" cap="flat" cmpd="sng" algn="ctr">
+            <a:solidFill>
+              <a:schemeClr val="tx1">
+                <a:lumMod val="15000"/>
+                <a:lumOff val="85000"/>
+              </a:schemeClr>
+            </a:solidFill>
+            <a:round/>
+          </a:ln>
+          <a:effectLst/>
+        </c:spPr>
+        <c:txPr>
+          <a:bodyPr rot="-60000000" spcFirstLastPara="1" vertOverflow="ellipsis" vert="horz" wrap="square" anchor="ctr" anchorCtr="1"/>
+          <a:lstStyle/>
+          <a:p>
+            <a:pPr>
+              <a:defRPr sz="900" b="0" i="0" u="none" strike="noStrike" kern="1200" baseline="0">
+                <a:solidFill>
+                  <a:schemeClr val="tx1">
+                    <a:lumMod val="65000"/>
+                    <a:lumOff val="35000"/>
+                  </a:schemeClr>
+                </a:solidFill>
+                <a:latin typeface="+mn-lt"/>
+                <a:ea typeface="+mn-ea"/>
+                <a:cs typeface="+mn-cs"/>
+              </a:defRPr>
+            </a:pPr>
+            <a:endParaRPr lang="fr-FR"/>
+          </a:p>
+        </c:txPr>
+        <c:crossAx val="696142264"/>
+        <c:crosses val="autoZero"/>
+        <c:auto val="1"/>
+        <c:lblAlgn val="ctr"/>
+        <c:lblOffset val="100"/>
+        <c:noMultiLvlLbl val="0"/>
+      </c:catAx>
+      <c:valAx>
+        <c:axId val="696142264"/>
+        <c:scaling>
+          <c:orientation val="minMax"/>
+        </c:scaling>
+        <c:delete val="0"/>
+        <c:axPos val="l"/>
+        <c:majorGridlines>
+          <c:spPr>
+            <a:ln w="9525" cap="flat" cmpd="sng" algn="ctr">
+              <a:solidFill>
+                <a:schemeClr val="tx1">
+                  <a:lumMod val="15000"/>
+                  <a:lumOff val="85000"/>
+                </a:schemeClr>
+              </a:solidFill>
+              <a:round/>
+            </a:ln>
+            <a:effectLst/>
+          </c:spPr>
+        </c:majorGridlines>
+        <c:numFmt formatCode="General" sourceLinked="1"/>
+        <c:majorTickMark val="none"/>
+        <c:minorTickMark val="none"/>
+        <c:tickLblPos val="nextTo"/>
+        <c:spPr>
+          <a:noFill/>
+          <a:ln>
+            <a:noFill/>
+          </a:ln>
+          <a:effectLst/>
+        </c:spPr>
+        <c:txPr>
+          <a:bodyPr rot="-60000000" spcFirstLastPara="1" vertOverflow="ellipsis" vert="horz" wrap="square" anchor="ctr" anchorCtr="1"/>
+          <a:lstStyle/>
+          <a:p>
+            <a:pPr>
+              <a:defRPr sz="900" b="0" i="0" u="none" strike="noStrike" kern="1200" baseline="0">
+                <a:solidFill>
+                  <a:schemeClr val="tx1">
+                    <a:lumMod val="65000"/>
+                    <a:lumOff val="35000"/>
+                  </a:schemeClr>
+                </a:solidFill>
+                <a:latin typeface="+mn-lt"/>
+                <a:ea typeface="+mn-ea"/>
+                <a:cs typeface="+mn-cs"/>
+              </a:defRPr>
+            </a:pPr>
+            <a:endParaRPr lang="fr-FR"/>
+          </a:p>
+        </c:txPr>
+        <c:crossAx val="696139704"/>
+        <c:crosses val="autoZero"/>
+        <c:crossBetween val="between"/>
+      </c:valAx>
+      <c:spPr>
+        <a:noFill/>
+        <a:ln>
+          <a:noFill/>
+        </a:ln>
+        <a:effectLst/>
+      </c:spPr>
+    </c:plotArea>
+    <c:legend>
+      <c:legendPos val="b"/>
+      <c:layout>
+        <c:manualLayout>
+          <c:xMode val="edge"/>
+          <c:yMode val="edge"/>
+          <c:x val="0.33124956255468074"/>
+          <c:y val="0.90381415864683579"/>
+          <c:w val="0.59861198600174981"/>
+          <c:h val="7.7667322834645669E-2"/>
+        </c:manualLayout>
+      </c:layout>
+      <c:overlay val="0"/>
+      <c:spPr>
+        <a:noFill/>
+        <a:ln>
+          <a:noFill/>
+        </a:ln>
+        <a:effectLst/>
+      </c:spPr>
+      <c:txPr>
+        <a:bodyPr rot="0" spcFirstLastPara="1" vertOverflow="ellipsis" vert="horz" wrap="square" anchor="ctr" anchorCtr="1"/>
+        <a:lstStyle/>
+        <a:p>
+          <a:pPr>
+            <a:defRPr sz="900" b="0" i="0" u="none" strike="noStrike" kern="1200" baseline="0">
+              <a:solidFill>
+                <a:schemeClr val="tx1">
+                  <a:lumMod val="65000"/>
+                  <a:lumOff val="35000"/>
+                </a:schemeClr>
+              </a:solidFill>
+              <a:latin typeface="+mn-lt"/>
+              <a:ea typeface="+mn-ea"/>
+              <a:cs typeface="+mn-cs"/>
+            </a:defRPr>
+          </a:pPr>
+          <a:endParaRPr lang="fr-FR"/>
+        </a:p>
+      </c:txPr>
+    </c:legend>
+    <c:plotVisOnly val="1"/>
+    <c:dispBlanksAs val="gap"/>
+    <c:extLst>
+      <c:ext xmlns:c16r3="http://schemas.microsoft.com/office/drawing/2017/03/chart" uri="{56B9EC1D-385E-4148-901F-78D8002777C0}">
+        <c16r3:dataDisplayOptions16>
+          <c16r3:dispNaAsBlank val="1"/>
+        </c16r3:dataDisplayOptions16>
+      </c:ext>
+    </c:extLst>
+    <c:showDLblsOverMax val="0"/>
+  </c:chart>
+  <c:spPr>
+    <a:noFill/>
+    <a:ln>
+      <a:noFill/>
+    </a:ln>
+    <a:effectLst/>
+  </c:spPr>
+  <c:txPr>
+    <a:bodyPr/>
+    <a:lstStyle/>
+    <a:p>
+      <a:pPr>
+        <a:defRPr/>
+      </a:pPr>
+      <a:endParaRPr lang="fr-FR"/>
+    </a:p>
+  </c:txPr>
+  <c:externalData r:id="rId3">
+    <c:autoUpdate val="0"/>
+  </c:externalData>
+</c:chartSpace>
+</file>
+
+<file path=ppt/charts/chart2.xml><?xml version="1.0" encoding="utf-8"?>
+<c:chartSpace xmlns:c="http://schemas.openxmlformats.org/drawingml/2006/chart" xmlns:a="http://schemas.openxmlformats.org/drawingml/2006/main" xmlns:r="http://schemas.openxmlformats.org/officeDocument/2006/relationships" xmlns:c16r2="http://schemas.microsoft.com/office/drawing/2015/06/chart">
+  <c:date1904 val="0"/>
+  <c:lang val="fr-FR"/>
+  <c:roundedCorners val="0"/>
+  <mc:AlternateContent xmlns:mc="http://schemas.openxmlformats.org/markup-compatibility/2006">
+    <mc:Choice xmlns:c14="http://schemas.microsoft.com/office/drawing/2007/8/2/chart" Requires="c14">
+      <c14:style val="102"/>
+    </mc:Choice>
+    <mc:Fallback>
+      <c:style val="2"/>
+    </mc:Fallback>
+  </mc:AlternateContent>
+  <c:chart>
+    <c:title>
+      <c:tx>
+        <c:rich>
+          <a:bodyPr rot="0" spcFirstLastPara="1" vertOverflow="ellipsis" vert="horz" wrap="square" anchor="ctr" anchorCtr="1"/>
+          <a:lstStyle/>
+          <a:p>
+            <a:pPr marL="0" marR="0" lvl="0" indent="0" algn="ctr" defTabSz="914400" rtl="0" eaLnBrk="1" fontAlgn="auto" latinLnBrk="0" hangingPunct="1">
+              <a:lnSpc>
+                <a:spcPct val="100000"/>
+              </a:lnSpc>
+              <a:spcBef>
+                <a:spcPts val="0"/>
+              </a:spcBef>
+              <a:spcAft>
+                <a:spcPts val="0"/>
+              </a:spcAft>
+              <a:buClrTx/>
+              <a:buSzTx/>
+              <a:buFontTx/>
+              <a:buNone/>
+              <a:tabLst/>
+              <a:defRPr sz="1400" b="0" i="0" u="none" strike="noStrike" kern="1200" spc="0" baseline="0">
+                <a:solidFill>
+                  <a:prstClr val="white">
+                    <a:lumMod val="65000"/>
+                    <a:lumOff val="35000"/>
+                  </a:prstClr>
+                </a:solidFill>
+                <a:latin typeface="+mn-lt"/>
+                <a:ea typeface="+mn-ea"/>
+                <a:cs typeface="+mn-cs"/>
+              </a:defRPr>
+            </a:pPr>
+            <a:r>
+              <a:rPr lang="fr-FR" sz="1800" b="0" i="0" baseline="0" dirty="0">
+                <a:effectLst/>
+              </a:rPr>
+              <a:t>Classement Constructeurs 2016</a:t>
+            </a:r>
+            <a:endParaRPr lang="fr-FR" dirty="0">
+              <a:effectLst/>
+            </a:endParaRPr>
+          </a:p>
+          <a:p>
+            <a:pPr marL="0" marR="0" lvl="0" indent="0" algn="ctr" defTabSz="914400" rtl="0" eaLnBrk="1" fontAlgn="auto" latinLnBrk="0" hangingPunct="1">
+              <a:lnSpc>
+                <a:spcPct val="100000"/>
+              </a:lnSpc>
+              <a:spcBef>
+                <a:spcPts val="0"/>
+              </a:spcBef>
+              <a:spcAft>
+                <a:spcPts val="0"/>
+              </a:spcAft>
+              <a:buClrTx/>
+              <a:buSzTx/>
+              <a:buFontTx/>
+              <a:buNone/>
+              <a:tabLst/>
+              <a:defRPr>
+                <a:solidFill>
+                  <a:prstClr val="white">
+                    <a:lumMod val="65000"/>
+                    <a:lumOff val="35000"/>
+                  </a:prstClr>
+                </a:solidFill>
+              </a:defRPr>
+            </a:pPr>
+            <a:endParaRPr lang="fr-FR" dirty="0"/>
+          </a:p>
+        </c:rich>
+      </c:tx>
+      <c:layout>
+        <c:manualLayout>
+          <c:xMode val="edge"/>
+          <c:yMode val="edge"/>
+          <c:x val="0.16184011373578303"/>
+          <c:y val="0"/>
+        </c:manualLayout>
+      </c:layout>
+      <c:overlay val="0"/>
+      <c:spPr>
+        <a:noFill/>
+        <a:ln>
+          <a:noFill/>
+        </a:ln>
+        <a:effectLst/>
+      </c:spPr>
+      <c:txPr>
+        <a:bodyPr rot="0" spcFirstLastPara="1" vertOverflow="ellipsis" vert="horz" wrap="square" anchor="ctr" anchorCtr="1"/>
+        <a:lstStyle/>
+        <a:p>
+          <a:pPr marL="0" marR="0" lvl="0" indent="0" algn="ctr" defTabSz="914400" rtl="0" eaLnBrk="1" fontAlgn="auto" latinLnBrk="0" hangingPunct="1">
+            <a:lnSpc>
+              <a:spcPct val="100000"/>
+            </a:lnSpc>
+            <a:spcBef>
+              <a:spcPts val="0"/>
+            </a:spcBef>
+            <a:spcAft>
+              <a:spcPts val="0"/>
+            </a:spcAft>
+            <a:buClrTx/>
+            <a:buSzTx/>
+            <a:buFontTx/>
+            <a:buNone/>
+            <a:tabLst/>
+            <a:defRPr sz="1400" b="0" i="0" u="none" strike="noStrike" kern="1200" spc="0" baseline="0">
+              <a:solidFill>
+                <a:prstClr val="white">
+                  <a:lumMod val="65000"/>
+                  <a:lumOff val="35000"/>
+                </a:prstClr>
+              </a:solidFill>
+              <a:latin typeface="+mn-lt"/>
+              <a:ea typeface="+mn-ea"/>
+              <a:cs typeface="+mn-cs"/>
+            </a:defRPr>
+          </a:pPr>
+          <a:endParaRPr lang="fr-FR"/>
+        </a:p>
+      </c:txPr>
+    </c:title>
+    <c:autoTitleDeleted val="0"/>
+    <c:plotArea>
+      <c:layout/>
+      <c:barChart>
+        <c:barDir val="col"/>
+        <c:grouping val="clustered"/>
+        <c:varyColors val="0"/>
+        <c:ser>
+          <c:idx val="0"/>
+          <c:order val="0"/>
+          <c:tx>
+            <c:strRef>
+              <c:f>'2016'!$B$1</c:f>
+              <c:strCache>
+                <c:ptCount val="1"/>
+                <c:pt idx="0">
+                  <c:v>Budget saison en million</c:v>
+                </c:pt>
+              </c:strCache>
+            </c:strRef>
+          </c:tx>
+          <c:spPr>
+            <a:solidFill>
+              <a:schemeClr val="accent1"/>
+            </a:solidFill>
+            <a:ln>
+              <a:noFill/>
+            </a:ln>
+            <a:effectLst/>
+          </c:spPr>
+          <c:invertIfNegative val="0"/>
+          <c:cat>
+            <c:strRef>
+              <c:f>'2016'!$A$2:$A$12</c:f>
+              <c:strCache>
+                <c:ptCount val="11"/>
+                <c:pt idx="0">
+                  <c:v>Mercedes (1er)</c:v>
+                </c:pt>
+                <c:pt idx="1">
+                  <c:v>Red bull racing (2 eme)</c:v>
+                </c:pt>
+                <c:pt idx="2">
+                  <c:v>Ferrari (3eme)</c:v>
+                </c:pt>
+                <c:pt idx="3">
+                  <c:v>Force India (4 eme)</c:v>
+                </c:pt>
+                <c:pt idx="4">
+                  <c:v>Williams (5 eme)</c:v>
+                </c:pt>
+                <c:pt idx="5">
+                  <c:v>McLaren (6 eme)</c:v>
+                </c:pt>
+                <c:pt idx="6">
+                  <c:v>Toro Rosso (7 eme)</c:v>
+                </c:pt>
+                <c:pt idx="7">
+                  <c:v>Haas (8 eme)</c:v>
+                </c:pt>
+                <c:pt idx="8">
+                  <c:v>Renault (9 eme)</c:v>
+                </c:pt>
+                <c:pt idx="9">
+                  <c:v>Sauber (10 eme</c:v>
+                </c:pt>
+                <c:pt idx="10">
+                  <c:v>MRT (11 eme)</c:v>
+                </c:pt>
+              </c:strCache>
+            </c:strRef>
+          </c:cat>
+          <c:val>
+            <c:numRef>
+              <c:f>'2016'!$B$2:$B$12</c:f>
+              <c:numCache>
+                <c:formatCode>General</c:formatCode>
+                <c:ptCount val="11"/>
+                <c:pt idx="0">
+                  <c:v>305</c:v>
+                </c:pt>
+                <c:pt idx="1">
+                  <c:v>247</c:v>
+                </c:pt>
+                <c:pt idx="2">
+                  <c:v>380</c:v>
+                </c:pt>
+                <c:pt idx="3">
+                  <c:v>104</c:v>
+                </c:pt>
+                <c:pt idx="4">
+                  <c:v>121</c:v>
+                </c:pt>
+                <c:pt idx="5">
+                  <c:v>213</c:v>
+                </c:pt>
+                <c:pt idx="6">
+                  <c:v>115</c:v>
+                </c:pt>
+                <c:pt idx="7">
+                  <c:v>115</c:v>
+                </c:pt>
+                <c:pt idx="8">
+                  <c:v>173</c:v>
+                </c:pt>
+                <c:pt idx="9">
+                  <c:v>109</c:v>
+                </c:pt>
+                <c:pt idx="10">
+                  <c:v>98</c:v>
+                </c:pt>
+              </c:numCache>
+            </c:numRef>
+          </c:val>
+          <c:extLst>
+            <c:ext xmlns:c16="http://schemas.microsoft.com/office/drawing/2014/chart" uri="{C3380CC4-5D6E-409C-BE32-E72D297353CC}">
+              <c16:uniqueId val="{00000000-6AD5-46F6-9507-CC761F090009}"/>
+            </c:ext>
+          </c:extLst>
+        </c:ser>
+        <c:ser>
+          <c:idx val="1"/>
+          <c:order val="1"/>
+          <c:tx>
+            <c:strRef>
+              <c:f>'2016'!$C$1</c:f>
+              <c:strCache>
+                <c:ptCount val="1"/>
+                <c:pt idx="0">
+                  <c:v>nombre d'employés</c:v>
+                </c:pt>
+              </c:strCache>
+            </c:strRef>
+          </c:tx>
+          <c:spPr>
+            <a:solidFill>
+              <a:schemeClr val="accent2"/>
+            </a:solidFill>
+            <a:ln>
+              <a:noFill/>
+            </a:ln>
+            <a:effectLst/>
+          </c:spPr>
+          <c:invertIfNegative val="0"/>
+          <c:cat>
+            <c:strRef>
+              <c:f>'2016'!$A$2:$A$12</c:f>
+              <c:strCache>
+                <c:ptCount val="11"/>
+                <c:pt idx="0">
+                  <c:v>Mercedes (1er)</c:v>
+                </c:pt>
+                <c:pt idx="1">
+                  <c:v>Red bull racing (2 eme)</c:v>
+                </c:pt>
+                <c:pt idx="2">
+                  <c:v>Ferrari (3eme)</c:v>
+                </c:pt>
+                <c:pt idx="3">
+                  <c:v>Force India (4 eme)</c:v>
+                </c:pt>
+                <c:pt idx="4">
+                  <c:v>Williams (5 eme)</c:v>
+                </c:pt>
+                <c:pt idx="5">
+                  <c:v>McLaren (6 eme)</c:v>
+                </c:pt>
+                <c:pt idx="6">
+                  <c:v>Toro Rosso (7 eme)</c:v>
+                </c:pt>
+                <c:pt idx="7">
+                  <c:v>Haas (8 eme)</c:v>
+                </c:pt>
+                <c:pt idx="8">
+                  <c:v>Renault (9 eme)</c:v>
+                </c:pt>
+                <c:pt idx="9">
+                  <c:v>Sauber (10 eme</c:v>
+                </c:pt>
+                <c:pt idx="10">
+                  <c:v>MRT (11 eme)</c:v>
+                </c:pt>
+              </c:strCache>
+            </c:strRef>
+          </c:cat>
+          <c:val>
+            <c:numRef>
+              <c:f>'2016'!$C$2:$C$12</c:f>
+              <c:numCache>
+                <c:formatCode>General</c:formatCode>
+                <c:ptCount val="11"/>
+                <c:pt idx="0">
+                  <c:v>850</c:v>
+                </c:pt>
+                <c:pt idx="1">
+                  <c:v>740</c:v>
+                </c:pt>
+                <c:pt idx="2">
+                  <c:v>900</c:v>
+                </c:pt>
+                <c:pt idx="3">
+                  <c:v>380</c:v>
+                </c:pt>
+                <c:pt idx="4">
+                  <c:v>530</c:v>
+                </c:pt>
+                <c:pt idx="5">
+                  <c:v>730</c:v>
+                </c:pt>
+                <c:pt idx="6">
+                  <c:v>350</c:v>
+                </c:pt>
+                <c:pt idx="7">
+                  <c:v>210</c:v>
+                </c:pt>
+                <c:pt idx="8">
+                  <c:v>570</c:v>
+                </c:pt>
+                <c:pt idx="9">
+                  <c:v>320</c:v>
+                </c:pt>
+                <c:pt idx="10">
+                  <c:v>225</c:v>
+                </c:pt>
+              </c:numCache>
+            </c:numRef>
+          </c:val>
+          <c:extLst>
+            <c:ext xmlns:c16="http://schemas.microsoft.com/office/drawing/2014/chart" uri="{C3380CC4-5D6E-409C-BE32-E72D297353CC}">
+              <c16:uniqueId val="{00000001-6AD5-46F6-9507-CC761F090009}"/>
+            </c:ext>
+          </c:extLst>
+        </c:ser>
+        <c:dLbls>
+          <c:showLegendKey val="0"/>
+          <c:showVal val="0"/>
+          <c:showCatName val="0"/>
+          <c:showSerName val="0"/>
+          <c:showPercent val="0"/>
+          <c:showBubbleSize val="0"/>
+        </c:dLbls>
+        <c:gapWidth val="219"/>
+        <c:overlap val="-27"/>
+        <c:axId val="529720376"/>
+        <c:axId val="529721336"/>
+      </c:barChart>
+      <c:catAx>
+        <c:axId val="529720376"/>
+        <c:scaling>
+          <c:orientation val="minMax"/>
+        </c:scaling>
+        <c:delete val="0"/>
+        <c:axPos val="b"/>
+        <c:numFmt formatCode="General" sourceLinked="1"/>
+        <c:majorTickMark val="none"/>
+        <c:minorTickMark val="none"/>
+        <c:tickLblPos val="nextTo"/>
+        <c:spPr>
+          <a:noFill/>
+          <a:ln w="9525" cap="flat" cmpd="sng" algn="ctr">
+            <a:solidFill>
+              <a:schemeClr val="tx1">
+                <a:lumMod val="15000"/>
+                <a:lumOff val="85000"/>
+              </a:schemeClr>
+            </a:solidFill>
+            <a:round/>
+          </a:ln>
+          <a:effectLst/>
+        </c:spPr>
+        <c:txPr>
+          <a:bodyPr rot="-60000000" spcFirstLastPara="1" vertOverflow="ellipsis" vert="horz" wrap="square" anchor="ctr" anchorCtr="1"/>
+          <a:lstStyle/>
+          <a:p>
+            <a:pPr>
+              <a:defRPr sz="900" b="0" i="0" u="none" strike="noStrike" kern="1200" baseline="0">
+                <a:solidFill>
+                  <a:schemeClr val="tx1">
+                    <a:lumMod val="65000"/>
+                    <a:lumOff val="35000"/>
+                  </a:schemeClr>
+                </a:solidFill>
+                <a:latin typeface="+mn-lt"/>
+                <a:ea typeface="+mn-ea"/>
+                <a:cs typeface="+mn-cs"/>
+              </a:defRPr>
+            </a:pPr>
+            <a:endParaRPr lang="fr-FR"/>
+          </a:p>
+        </c:txPr>
+        <c:crossAx val="529721336"/>
+        <c:crosses val="autoZero"/>
+        <c:auto val="1"/>
+        <c:lblAlgn val="ctr"/>
+        <c:lblOffset val="100"/>
+        <c:noMultiLvlLbl val="0"/>
+      </c:catAx>
+      <c:valAx>
+        <c:axId val="529721336"/>
+        <c:scaling>
+          <c:orientation val="minMax"/>
+        </c:scaling>
+        <c:delete val="0"/>
+        <c:axPos val="l"/>
+        <c:majorGridlines>
+          <c:spPr>
+            <a:ln w="9525" cap="flat" cmpd="sng" algn="ctr">
+              <a:solidFill>
+                <a:schemeClr val="tx1">
+                  <a:lumMod val="15000"/>
+                  <a:lumOff val="85000"/>
+                </a:schemeClr>
+              </a:solidFill>
+              <a:round/>
+            </a:ln>
+            <a:effectLst/>
+          </c:spPr>
+        </c:majorGridlines>
+        <c:numFmt formatCode="General" sourceLinked="1"/>
+        <c:majorTickMark val="none"/>
+        <c:minorTickMark val="none"/>
+        <c:tickLblPos val="nextTo"/>
+        <c:spPr>
+          <a:noFill/>
+          <a:ln>
+            <a:noFill/>
+          </a:ln>
+          <a:effectLst/>
+        </c:spPr>
+        <c:txPr>
+          <a:bodyPr rot="-60000000" spcFirstLastPara="1" vertOverflow="ellipsis" vert="horz" wrap="square" anchor="ctr" anchorCtr="1"/>
+          <a:lstStyle/>
+          <a:p>
+            <a:pPr>
+              <a:defRPr sz="900" b="0" i="0" u="none" strike="noStrike" kern="1200" baseline="0">
+                <a:solidFill>
+                  <a:schemeClr val="tx1">
+                    <a:lumMod val="65000"/>
+                    <a:lumOff val="35000"/>
+                  </a:schemeClr>
+                </a:solidFill>
+                <a:latin typeface="+mn-lt"/>
+                <a:ea typeface="+mn-ea"/>
+                <a:cs typeface="+mn-cs"/>
+              </a:defRPr>
+            </a:pPr>
+            <a:endParaRPr lang="fr-FR"/>
+          </a:p>
+        </c:txPr>
+        <c:crossAx val="529720376"/>
+        <c:crosses val="autoZero"/>
+        <c:crossBetween val="between"/>
+      </c:valAx>
+      <c:spPr>
+        <a:noFill/>
+        <a:ln>
+          <a:noFill/>
+        </a:ln>
+        <a:effectLst/>
+      </c:spPr>
+    </c:plotArea>
+    <c:legend>
+      <c:legendPos val="b"/>
+      <c:overlay val="0"/>
+      <c:spPr>
+        <a:noFill/>
+        <a:ln>
+          <a:noFill/>
+        </a:ln>
+        <a:effectLst/>
+      </c:spPr>
+      <c:txPr>
+        <a:bodyPr rot="0" spcFirstLastPara="1" vertOverflow="ellipsis" vert="horz" wrap="square" anchor="ctr" anchorCtr="1"/>
+        <a:lstStyle/>
+        <a:p>
+          <a:pPr>
+            <a:defRPr sz="900" b="0" i="0" u="none" strike="noStrike" kern="1200" baseline="0">
+              <a:solidFill>
+                <a:schemeClr val="tx1">
+                  <a:lumMod val="65000"/>
+                  <a:lumOff val="35000"/>
+                </a:schemeClr>
+              </a:solidFill>
+              <a:latin typeface="+mn-lt"/>
+              <a:ea typeface="+mn-ea"/>
+              <a:cs typeface="+mn-cs"/>
+            </a:defRPr>
+          </a:pPr>
+          <a:endParaRPr lang="fr-FR"/>
+        </a:p>
+      </c:txPr>
+    </c:legend>
+    <c:plotVisOnly val="1"/>
+    <c:dispBlanksAs val="gap"/>
+    <c:extLst>
+      <c:ext xmlns:c16r3="http://schemas.microsoft.com/office/drawing/2017/03/chart" uri="{56B9EC1D-385E-4148-901F-78D8002777C0}">
+        <c16r3:dataDisplayOptions16>
+          <c16r3:dispNaAsBlank val="1"/>
+        </c16r3:dataDisplayOptions16>
+      </c:ext>
+    </c:extLst>
+    <c:showDLblsOverMax val="0"/>
+  </c:chart>
+  <c:spPr>
+    <a:noFill/>
+    <a:ln>
+      <a:noFill/>
+    </a:ln>
+    <a:effectLst/>
+  </c:spPr>
+  <c:txPr>
+    <a:bodyPr/>
+    <a:lstStyle/>
+    <a:p>
+      <a:pPr>
+        <a:defRPr/>
+      </a:pPr>
+      <a:endParaRPr lang="fr-FR"/>
+    </a:p>
+  </c:txPr>
+  <c:externalData r:id="rId3">
+    <c:autoUpdate val="0"/>
+  </c:externalData>
+</c:chartSpace>
+</file>
+
+<file path=ppt/charts/chart3.xml><?xml version="1.0" encoding="utf-8"?>
+<c:chartSpace xmlns:c="http://schemas.openxmlformats.org/drawingml/2006/chart" xmlns:a="http://schemas.openxmlformats.org/drawingml/2006/main" xmlns:r="http://schemas.openxmlformats.org/officeDocument/2006/relationships" xmlns:c16r2="http://schemas.microsoft.com/office/drawing/2015/06/chart">
+  <c:date1904 val="0"/>
+  <c:lang val="fr-FR"/>
+  <c:roundedCorners val="0"/>
+  <mc:AlternateContent xmlns:mc="http://schemas.openxmlformats.org/markup-compatibility/2006">
+    <mc:Choice xmlns:c14="http://schemas.microsoft.com/office/drawing/2007/8/2/chart" Requires="c14">
+      <c14:style val="102"/>
+    </mc:Choice>
+    <mc:Fallback>
+      <c:style val="2"/>
+    </mc:Fallback>
+  </mc:AlternateContent>
+  <c:chart>
+    <c:title>
+      <c:tx>
+        <c:rich>
+          <a:bodyPr rot="0" spcFirstLastPara="1" vertOverflow="ellipsis" vert="horz" wrap="square" anchor="ctr" anchorCtr="1"/>
+          <a:lstStyle/>
+          <a:p>
+            <a:pPr>
+              <a:defRPr sz="1400" b="0" i="0" u="none" strike="noStrike" kern="1200" spc="0" baseline="0">
+                <a:solidFill>
+                  <a:schemeClr val="tx1">
+                    <a:lumMod val="65000"/>
+                    <a:lumOff val="35000"/>
+                  </a:schemeClr>
+                </a:solidFill>
+                <a:latin typeface="+mn-lt"/>
+                <a:ea typeface="+mn-ea"/>
+                <a:cs typeface="+mn-cs"/>
+              </a:defRPr>
+            </a:pPr>
+            <a:r>
+              <a:rPr lang="fr-FR" dirty="0"/>
+              <a:t>Budget constructeurs saison 2019 en millions</a:t>
+            </a:r>
+          </a:p>
+        </c:rich>
+      </c:tx>
+      <c:overlay val="0"/>
+      <c:spPr>
+        <a:noFill/>
+        <a:ln>
+          <a:noFill/>
+        </a:ln>
+        <a:effectLst/>
+      </c:spPr>
+      <c:txPr>
+        <a:bodyPr rot="0" spcFirstLastPara="1" vertOverflow="ellipsis" vert="horz" wrap="square" anchor="ctr" anchorCtr="1"/>
+        <a:lstStyle/>
+        <a:p>
+          <a:pPr>
+            <a:defRPr sz="1400" b="0" i="0" u="none" strike="noStrike" kern="1200" spc="0" baseline="0">
+              <a:solidFill>
+                <a:schemeClr val="tx1">
+                  <a:lumMod val="65000"/>
+                  <a:lumOff val="35000"/>
+                </a:schemeClr>
+              </a:solidFill>
+              <a:latin typeface="+mn-lt"/>
+              <a:ea typeface="+mn-ea"/>
+              <a:cs typeface="+mn-cs"/>
+            </a:defRPr>
+          </a:pPr>
+          <a:endParaRPr lang="fr-FR"/>
+        </a:p>
+      </c:txPr>
+    </c:title>
+    <c:autoTitleDeleted val="0"/>
+    <c:plotArea>
+      <c:layout/>
+      <c:barChart>
+        <c:barDir val="col"/>
+        <c:grouping val="clustered"/>
+        <c:varyColors val="0"/>
+        <c:ser>
+          <c:idx val="0"/>
+          <c:order val="0"/>
+          <c:tx>
+            <c:strRef>
+              <c:f>'2019'!$B$1</c:f>
+              <c:strCache>
+                <c:ptCount val="1"/>
+                <c:pt idx="0">
+                  <c:v>Budget saison en million</c:v>
+                </c:pt>
+              </c:strCache>
+            </c:strRef>
+          </c:tx>
+          <c:spPr>
+            <a:solidFill>
+              <a:schemeClr val="accent1"/>
+            </a:solidFill>
+            <a:ln>
+              <a:noFill/>
+            </a:ln>
+            <a:effectLst/>
+          </c:spPr>
+          <c:invertIfNegative val="0"/>
+          <c:cat>
+            <c:strRef>
+              <c:f>'2019'!$A$2:$A$11</c:f>
+              <c:strCache>
+                <c:ptCount val="10"/>
+                <c:pt idx="0">
+                  <c:v>Mercedes (1er)</c:v>
+                </c:pt>
+                <c:pt idx="1">
+                  <c:v>Ferrari (2eme)</c:v>
+                </c:pt>
+                <c:pt idx="2">
+                  <c:v>Red bull racing (3eme)</c:v>
+                </c:pt>
+                <c:pt idx="3">
+                  <c:v>McLaren (4 eme)</c:v>
+                </c:pt>
+                <c:pt idx="4">
+                  <c:v>Renault(5 eme)</c:v>
+                </c:pt>
+                <c:pt idx="5">
+                  <c:v>Scuderia Toro Rosso (6 eme)</c:v>
+                </c:pt>
+                <c:pt idx="6">
+                  <c:v>Racing Point (7 eme)</c:v>
+                </c:pt>
+                <c:pt idx="7">
+                  <c:v>Alfa Romeo (8 eme)</c:v>
+                </c:pt>
+                <c:pt idx="8">
+                  <c:v>Haas(9 eme)</c:v>
+                </c:pt>
+                <c:pt idx="9">
+                  <c:v>williams(10 eme</c:v>
+                </c:pt>
+              </c:strCache>
+            </c:strRef>
+          </c:cat>
+          <c:val>
+            <c:numRef>
+              <c:f>'2019'!$B$2:$B$11</c:f>
+              <c:numCache>
+                <c:formatCode>General</c:formatCode>
+                <c:ptCount val="10"/>
+                <c:pt idx="0">
+                  <c:v>450</c:v>
+                </c:pt>
+                <c:pt idx="1">
+                  <c:v>450</c:v>
+                </c:pt>
+                <c:pt idx="2">
+                  <c:v>350</c:v>
+                </c:pt>
+                <c:pt idx="3">
+                  <c:v>250</c:v>
+                </c:pt>
+                <c:pt idx="4">
+                  <c:v>200</c:v>
+                </c:pt>
+                <c:pt idx="5">
+                  <c:v>140</c:v>
+                </c:pt>
+                <c:pt idx="6">
+                  <c:v>190</c:v>
+                </c:pt>
+                <c:pt idx="7">
+                  <c:v>250</c:v>
+                </c:pt>
+                <c:pt idx="8">
+                  <c:v>170</c:v>
+                </c:pt>
+                <c:pt idx="9">
+                  <c:v>130</c:v>
+                </c:pt>
+              </c:numCache>
+            </c:numRef>
+          </c:val>
+          <c:extLst>
+            <c:ext xmlns:c16="http://schemas.microsoft.com/office/drawing/2014/chart" uri="{C3380CC4-5D6E-409C-BE32-E72D297353CC}">
+              <c16:uniqueId val="{00000000-1957-48D5-A5F1-4F389E86D713}"/>
+            </c:ext>
+          </c:extLst>
+        </c:ser>
+        <c:dLbls>
+          <c:showLegendKey val="0"/>
+          <c:showVal val="0"/>
+          <c:showCatName val="0"/>
+          <c:showSerName val="0"/>
+          <c:showPercent val="0"/>
+          <c:showBubbleSize val="0"/>
+        </c:dLbls>
+        <c:gapWidth val="219"/>
+        <c:overlap val="-27"/>
+        <c:axId val="529728376"/>
+        <c:axId val="529727096"/>
+      </c:barChart>
+      <c:catAx>
+        <c:axId val="529728376"/>
+        <c:scaling>
+          <c:orientation val="minMax"/>
+        </c:scaling>
+        <c:delete val="0"/>
+        <c:axPos val="b"/>
+        <c:numFmt formatCode="General" sourceLinked="1"/>
+        <c:majorTickMark val="none"/>
+        <c:minorTickMark val="none"/>
+        <c:tickLblPos val="nextTo"/>
+        <c:spPr>
+          <a:noFill/>
+          <a:ln w="9525" cap="flat" cmpd="sng" algn="ctr">
+            <a:solidFill>
+              <a:schemeClr val="tx1">
+                <a:lumMod val="15000"/>
+                <a:lumOff val="85000"/>
+              </a:schemeClr>
+            </a:solidFill>
+            <a:round/>
+          </a:ln>
+          <a:effectLst/>
+        </c:spPr>
+        <c:txPr>
+          <a:bodyPr rot="-60000000" spcFirstLastPara="1" vertOverflow="ellipsis" vert="horz" wrap="square" anchor="ctr" anchorCtr="1"/>
+          <a:lstStyle/>
+          <a:p>
+            <a:pPr>
+              <a:defRPr sz="900" b="0" i="0" u="none" strike="noStrike" kern="1200" baseline="0">
+                <a:solidFill>
+                  <a:schemeClr val="tx1">
+                    <a:lumMod val="65000"/>
+                    <a:lumOff val="35000"/>
+                  </a:schemeClr>
+                </a:solidFill>
+                <a:latin typeface="+mn-lt"/>
+                <a:ea typeface="+mn-ea"/>
+                <a:cs typeface="+mn-cs"/>
+              </a:defRPr>
+            </a:pPr>
+            <a:endParaRPr lang="fr-FR"/>
+          </a:p>
+        </c:txPr>
+        <c:crossAx val="529727096"/>
+        <c:crosses val="autoZero"/>
+        <c:auto val="1"/>
+        <c:lblAlgn val="ctr"/>
+        <c:lblOffset val="100"/>
+        <c:noMultiLvlLbl val="0"/>
+      </c:catAx>
+      <c:valAx>
+        <c:axId val="529727096"/>
+        <c:scaling>
+          <c:orientation val="minMax"/>
+        </c:scaling>
+        <c:delete val="0"/>
+        <c:axPos val="l"/>
+        <c:majorGridlines>
+          <c:spPr>
+            <a:ln w="9525" cap="flat" cmpd="sng" algn="ctr">
+              <a:solidFill>
+                <a:schemeClr val="tx1">
+                  <a:lumMod val="15000"/>
+                  <a:lumOff val="85000"/>
+                </a:schemeClr>
+              </a:solidFill>
+              <a:round/>
+            </a:ln>
+            <a:effectLst/>
+          </c:spPr>
+        </c:majorGridlines>
+        <c:numFmt formatCode="General" sourceLinked="1"/>
+        <c:majorTickMark val="none"/>
+        <c:minorTickMark val="none"/>
+        <c:tickLblPos val="nextTo"/>
+        <c:spPr>
+          <a:noFill/>
+          <a:ln>
+            <a:noFill/>
+          </a:ln>
+          <a:effectLst/>
+        </c:spPr>
+        <c:txPr>
+          <a:bodyPr rot="-60000000" spcFirstLastPara="1" vertOverflow="ellipsis" vert="horz" wrap="square" anchor="ctr" anchorCtr="1"/>
+          <a:lstStyle/>
+          <a:p>
+            <a:pPr>
+              <a:defRPr sz="900" b="0" i="0" u="none" strike="noStrike" kern="1200" baseline="0">
+                <a:solidFill>
+                  <a:schemeClr val="tx1">
+                    <a:lumMod val="65000"/>
+                    <a:lumOff val="35000"/>
+                  </a:schemeClr>
+                </a:solidFill>
+                <a:latin typeface="+mn-lt"/>
+                <a:ea typeface="+mn-ea"/>
+                <a:cs typeface="+mn-cs"/>
+              </a:defRPr>
+            </a:pPr>
+            <a:endParaRPr lang="fr-FR"/>
+          </a:p>
+        </c:txPr>
+        <c:crossAx val="529728376"/>
+        <c:crosses val="autoZero"/>
+        <c:crossBetween val="between"/>
+      </c:valAx>
+      <c:spPr>
+        <a:noFill/>
+        <a:ln>
+          <a:noFill/>
+        </a:ln>
+        <a:effectLst/>
+      </c:spPr>
+    </c:plotArea>
+    <c:plotVisOnly val="1"/>
+    <c:dispBlanksAs val="gap"/>
+    <c:extLst>
+      <c:ext xmlns:c16r3="http://schemas.microsoft.com/office/drawing/2017/03/chart" uri="{56B9EC1D-385E-4148-901F-78D8002777C0}">
+        <c16r3:dataDisplayOptions16>
+          <c16r3:dispNaAsBlank val="1"/>
+        </c16r3:dataDisplayOptions16>
+      </c:ext>
+    </c:extLst>
+    <c:showDLblsOverMax val="0"/>
+  </c:chart>
+  <c:spPr>
+    <a:noFill/>
+    <a:ln>
+      <a:noFill/>
+    </a:ln>
+    <a:effectLst/>
+  </c:spPr>
+  <c:txPr>
+    <a:bodyPr/>
+    <a:lstStyle/>
+    <a:p>
+      <a:pPr>
+        <a:defRPr/>
+      </a:pPr>
+      <a:endParaRPr lang="fr-FR"/>
+    </a:p>
+  </c:txPr>
+  <c:externalData r:id="rId3">
+    <c:autoUpdate val="0"/>
+  </c:externalData>
+</c:chartSpace>
+</file>
+
+<file path=ppt/charts/colors1.xml><?xml version="1.0" encoding="utf-8"?>
+<cs:colorStyle xmlns:cs="http://schemas.microsoft.com/office/drawing/2012/chartStyle" xmlns:a="http://schemas.openxmlformats.org/drawingml/2006/main" meth="cycle" id="10">
+  <a:schemeClr val="accent1"/>
+  <a:schemeClr val="accent2"/>
+  <a:schemeClr val="accent3"/>
+  <a:schemeClr val="accent4"/>
+  <a:schemeClr val="accent5"/>
+  <a:schemeClr val="accent6"/>
+  <cs:variation/>
+  <cs:variation>
+    <a:lumMod val="60000"/>
+  </cs:variation>
+  <cs:variation>
+    <a:lumMod val="80000"/>
+    <a:lumOff val="20000"/>
+  </cs:variation>
+  <cs:variation>
+    <a:lumMod val="80000"/>
+  </cs:variation>
+  <cs:variation>
+    <a:lumMod val="60000"/>
+    <a:lumOff val="40000"/>
+  </cs:variation>
+  <cs:variation>
+    <a:lumMod val="50000"/>
+  </cs:variation>
+  <cs:variation>
+    <a:lumMod val="70000"/>
+    <a:lumOff val="30000"/>
+  </cs:variation>
+  <cs:variation>
+    <a:lumMod val="70000"/>
+  </cs:variation>
+  <cs:variation>
+    <a:lumMod val="50000"/>
+    <a:lumOff val="50000"/>
+  </cs:variation>
+</cs:colorStyle>
+</file>
+
+<file path=ppt/charts/colors2.xml><?xml version="1.0" encoding="utf-8"?>
+<cs:colorStyle xmlns:cs="http://schemas.microsoft.com/office/drawing/2012/chartStyle" xmlns:a="http://schemas.openxmlformats.org/drawingml/2006/main" meth="cycle" id="10">
+  <a:schemeClr val="accent1"/>
+  <a:schemeClr val="accent2"/>
+  <a:schemeClr val="accent3"/>
+  <a:schemeClr val="accent4"/>
+  <a:schemeClr val="accent5"/>
+  <a:schemeClr val="accent6"/>
+  <cs:variation/>
+  <cs:variation>
+    <a:lumMod val="60000"/>
+  </cs:variation>
+  <cs:variation>
+    <a:lumMod val="80000"/>
+    <a:lumOff val="20000"/>
+  </cs:variation>
+  <cs:variation>
+    <a:lumMod val="80000"/>
+  </cs:variation>
+  <cs:variation>
+    <a:lumMod val="60000"/>
+    <a:lumOff val="40000"/>
+  </cs:variation>
+  <cs:variation>
+    <a:lumMod val="50000"/>
+  </cs:variation>
+  <cs:variation>
+    <a:lumMod val="70000"/>
+    <a:lumOff val="30000"/>
+  </cs:variation>
+  <cs:variation>
+    <a:lumMod val="70000"/>
+  </cs:variation>
+  <cs:variation>
+    <a:lumMod val="50000"/>
+    <a:lumOff val="50000"/>
+  </cs:variation>
+</cs:colorStyle>
+</file>
+
+<file path=ppt/charts/colors3.xml><?xml version="1.0" encoding="utf-8"?>
+<cs:colorStyle xmlns:cs="http://schemas.microsoft.com/office/drawing/2012/chartStyle" xmlns:a="http://schemas.openxmlformats.org/drawingml/2006/main" meth="cycle" id="10">
+  <a:schemeClr val="accent1"/>
+  <a:schemeClr val="accent2"/>
+  <a:schemeClr val="accent3"/>
+  <a:schemeClr val="accent4"/>
+  <a:schemeClr val="accent5"/>
+  <a:schemeClr val="accent6"/>
+  <cs:variation/>
+  <cs:variation>
+    <a:lumMod val="60000"/>
+  </cs:variation>
+  <cs:variation>
+    <a:lumMod val="80000"/>
+    <a:lumOff val="20000"/>
+  </cs:variation>
+  <cs:variation>
+    <a:lumMod val="80000"/>
+  </cs:variation>
+  <cs:variation>
+    <a:lumMod val="60000"/>
+    <a:lumOff val="40000"/>
+  </cs:variation>
+  <cs:variation>
+    <a:lumMod val="50000"/>
+  </cs:variation>
+  <cs:variation>
+    <a:lumMod val="70000"/>
+    <a:lumOff val="30000"/>
+  </cs:variation>
+  <cs:variation>
+    <a:lumMod val="70000"/>
+  </cs:variation>
+  <cs:variation>
+    <a:lumMod val="50000"/>
+    <a:lumOff val="50000"/>
+  </cs:variation>
+</cs:colorStyle>
+</file>
+
+<file path=ppt/charts/style1.xml><?xml version="1.0" encoding="utf-8"?>
+<cs:chartStyle xmlns:cs="http://schemas.microsoft.com/office/drawing/2012/chartStyle" xmlns:a="http://schemas.openxmlformats.org/drawingml/2006/main" id="201">
+  <cs:axisTitle>
+    <cs:lnRef idx="0"/>
+    <cs:fillRef idx="0"/>
+    <cs:effectRef idx="0"/>
+    <cs:fontRef idx="minor">
+      <a:schemeClr val="tx1">
+        <a:lumMod val="65000"/>
+        <a:lumOff val="35000"/>
+      </a:schemeClr>
+    </cs:fontRef>
+    <cs:defRPr sz="1000" kern="1200"/>
+  </cs:axisTitle>
+  <cs:categoryAxis>
+    <cs:lnRef idx="0"/>
+    <cs:fillRef idx="0"/>
+    <cs:effectRef idx="0"/>
+    <cs:fontRef idx="minor">
+      <a:schemeClr val="tx1">
+        <a:lumMod val="65000"/>
+        <a:lumOff val="35000"/>
+      </a:schemeClr>
+    </cs:fontRef>
+    <cs:spPr>
+      <a:ln w="9525" cap="flat" cmpd="sng" algn="ctr">
+        <a:solidFill>
+          <a:schemeClr val="tx1">
+            <a:lumMod val="15000"/>
+            <a:lumOff val="85000"/>
+          </a:schemeClr>
+        </a:solidFill>
+        <a:round/>
+      </a:ln>
+    </cs:spPr>
+    <cs:defRPr sz="900" kern="1200"/>
+  </cs:categoryAxis>
+  <cs:chartArea mods="allowNoFillOverride allowNoLineOverride">
+    <cs:lnRef idx="0"/>
+    <cs:fillRef idx="0"/>
+    <cs:effectRef idx="0"/>
+    <cs:fontRef idx="minor">
+      <a:schemeClr val="tx1"/>
+    </cs:fontRef>
+    <cs:spPr>
+      <a:solidFill>
+        <a:schemeClr val="bg1"/>
+      </a:solidFill>
+      <a:ln w="9525" cap="flat" cmpd="sng" algn="ctr">
+        <a:solidFill>
+          <a:schemeClr val="tx1">
+            <a:lumMod val="15000"/>
+            <a:lumOff val="85000"/>
+          </a:schemeClr>
+        </a:solidFill>
+        <a:round/>
+      </a:ln>
+    </cs:spPr>
+    <cs:defRPr sz="1000" kern="1200"/>
+  </cs:chartArea>
+  <cs:dataLabel>
+    <cs:lnRef idx="0"/>
+    <cs:fillRef idx="0"/>
+    <cs:effectRef idx="0"/>
+    <cs:fontRef idx="minor">
+      <a:schemeClr val="tx1">
+        <a:lumMod val="75000"/>
+        <a:lumOff val="25000"/>
+      </a:schemeClr>
+    </cs:fontRef>
+    <cs:defRPr sz="900" kern="1200"/>
+  </cs:dataLabel>
+  <cs:dataLabelCallout>
+    <cs:lnRef idx="0"/>
+    <cs:fillRef idx="0"/>
+    <cs:effectRef idx="0"/>
+    <cs:fontRef idx="minor">
+      <a:schemeClr val="dk1">
+        <a:lumMod val="65000"/>
+        <a:lumOff val="35000"/>
+      </a:schemeClr>
+    </cs:fontRef>
+    <cs:spPr>
+      <a:solidFill>
+        <a:schemeClr val="lt1"/>
+      </a:solidFill>
+      <a:ln>
+        <a:solidFill>
+          <a:schemeClr val="dk1">
+            <a:lumMod val="25000"/>
+            <a:lumOff val="75000"/>
+          </a:schemeClr>
+        </a:solidFill>
+      </a:ln>
+    </cs:spPr>
+    <cs:defRPr sz="900" kern="1200"/>
+    <cs:bodyPr rot="0" spcFirstLastPara="1" vertOverflow="clip" horzOverflow="clip" vert="horz" wrap="square" lIns="36576" tIns="18288" rIns="36576" bIns="18288" anchor="ctr" anchorCtr="1">
+      <a:spAutoFit/>
+    </cs:bodyPr>
+  </cs:dataLabelCallout>
+  <cs:dataPoint>
+    <cs:lnRef idx="0"/>
+    <cs:fillRef idx="1">
+      <cs:styleClr val="auto"/>
+    </cs:fillRef>
+    <cs:effectRef idx="0"/>
+    <cs:fontRef idx="minor">
+      <a:schemeClr val="tx1"/>
+    </cs:fontRef>
+  </cs:dataPoint>
+  <cs:dataPoint3D>
+    <cs:lnRef idx="0"/>
+    <cs:fillRef idx="1">
+      <cs:styleClr val="auto"/>
+    </cs:fillRef>
+    <cs:effectRef idx="0"/>
+    <cs:fontRef idx="minor">
+      <a:schemeClr val="tx1"/>
+    </cs:fontRef>
+  </cs:dataPoint3D>
+  <cs:dataPointLine>
+    <cs:lnRef idx="0">
+      <cs:styleClr val="auto"/>
+    </cs:lnRef>
+    <cs:fillRef idx="1"/>
+    <cs:effectRef idx="0"/>
+    <cs:fontRef idx="minor">
+      <a:schemeClr val="tx1"/>
+    </cs:fontRef>
+    <cs:spPr>
+      <a:ln w="28575" cap="rnd">
+        <a:solidFill>
+          <a:schemeClr val="phClr"/>
+        </a:solidFill>
+        <a:round/>
+      </a:ln>
+    </cs:spPr>
+  </cs:dataPointLine>
+  <cs:dataPointMarker>
+    <cs:lnRef idx="0">
+      <cs:styleClr val="auto"/>
+    </cs:lnRef>
+    <cs:fillRef idx="1">
+      <cs:styleClr val="auto"/>
+    </cs:fillRef>
+    <cs:effectRef idx="0"/>
+    <cs:fontRef idx="minor">
+      <a:schemeClr val="tx1"/>
+    </cs:fontRef>
+    <cs:spPr>
+      <a:ln w="9525">
+        <a:solidFill>
+          <a:schemeClr val="phClr"/>
+        </a:solidFill>
+      </a:ln>
+    </cs:spPr>
+  </cs:dataPointMarker>
+  <cs:dataPointMarkerLayout symbol="circle" size="5"/>
+  <cs:dataPointWireframe>
+    <cs:lnRef idx="0">
+      <cs:styleClr val="auto"/>
+    </cs:lnRef>
+    <cs:fillRef idx="1"/>
+    <cs:effectRef idx="0"/>
+    <cs:fontRef idx="minor">
+      <a:schemeClr val="tx1"/>
+    </cs:fontRef>
+    <cs:spPr>
+      <a:ln w="9525" cap="rnd">
+        <a:solidFill>
+          <a:schemeClr val="phClr"/>
+        </a:solidFill>
+        <a:round/>
+      </a:ln>
+    </cs:spPr>
+  </cs:dataPointWireframe>
+  <cs:dataTable>
+    <cs:lnRef idx="0"/>
+    <cs:fillRef idx="0"/>
+    <cs:effectRef idx="0"/>
+    <cs:fontRef idx="minor">
+      <a:schemeClr val="tx1">
+        <a:lumMod val="65000"/>
+        <a:lumOff val="35000"/>
+      </a:schemeClr>
+    </cs:fontRef>
+    <cs:spPr>
+      <a:noFill/>
+      <a:ln w="9525" cap="flat" cmpd="sng" algn="ctr">
+        <a:solidFill>
+          <a:schemeClr val="tx1">
+            <a:lumMod val="15000"/>
+            <a:lumOff val="85000"/>
+          </a:schemeClr>
+        </a:solidFill>
+        <a:round/>
+      </a:ln>
+    </cs:spPr>
+    <cs:defRPr sz="900" kern="1200"/>
+  </cs:dataTable>
+  <cs:downBar>
+    <cs:lnRef idx="0"/>
+    <cs:fillRef idx="0"/>
+    <cs:effectRef idx="0"/>
+    <cs:fontRef idx="minor">
+      <a:schemeClr val="dk1"/>
+    </cs:fontRef>
+    <cs:spPr>
+      <a:solidFill>
+        <a:schemeClr val="dk1">
+          <a:lumMod val="65000"/>
+          <a:lumOff val="35000"/>
+        </a:schemeClr>
+      </a:solidFill>
+      <a:ln w="9525">
+        <a:solidFill>
+          <a:schemeClr val="tx1">
+            <a:lumMod val="65000"/>
+            <a:lumOff val="35000"/>
+          </a:schemeClr>
+        </a:solidFill>
+      </a:ln>
+    </cs:spPr>
+  </cs:downBar>
+  <cs:dropLine>
+    <cs:lnRef idx="0"/>
+    <cs:fillRef idx="0"/>
+    <cs:effectRef idx="0"/>
+    <cs:fontRef idx="minor">
+      <a:schemeClr val="tx1"/>
+    </cs:fontRef>
+    <cs:spPr>
+      <a:ln w="9525" cap="flat" cmpd="sng" algn="ctr">
+        <a:solidFill>
+          <a:schemeClr val="tx1">
+            <a:lumMod val="35000"/>
+            <a:lumOff val="65000"/>
+          </a:schemeClr>
+        </a:solidFill>
+        <a:round/>
+      </a:ln>
+    </cs:spPr>
+  </cs:dropLine>
+  <cs:errorBar>
+    <cs:lnRef idx="0"/>
+    <cs:fillRef idx="0"/>
+    <cs:effectRef idx="0"/>
+    <cs:fontRef idx="minor">
+      <a:schemeClr val="tx1"/>
+    </cs:fontRef>
+    <cs:spPr>
+      <a:ln w="9525" cap="flat" cmpd="sng" algn="ctr">
+        <a:solidFill>
+          <a:schemeClr val="tx1">
+            <a:lumMod val="65000"/>
+            <a:lumOff val="35000"/>
+          </a:schemeClr>
+        </a:solidFill>
+        <a:round/>
+      </a:ln>
+    </cs:spPr>
+  </cs:errorBar>
+  <cs:floor>
+    <cs:lnRef idx="0"/>
+    <cs:fillRef idx="0"/>
+    <cs:effectRef idx="0"/>
+    <cs:fontRef idx="minor">
+      <a:schemeClr val="tx1"/>
+    </cs:fontRef>
+    <cs:spPr>
+      <a:noFill/>
+      <a:ln>
+        <a:noFill/>
+      </a:ln>
+    </cs:spPr>
+  </cs:floor>
+  <cs:gridlineMajor>
+    <cs:lnRef idx="0"/>
+    <cs:fillRef idx="0"/>
+    <cs:effectRef idx="0"/>
+    <cs:fontRef idx="minor">
+      <a:schemeClr val="tx1"/>
+    </cs:fontRef>
+    <cs:spPr>
+      <a:ln w="9525" cap="flat" cmpd="sng" algn="ctr">
+        <a:solidFill>
+          <a:schemeClr val="tx1">
+            <a:lumMod val="15000"/>
+            <a:lumOff val="85000"/>
+          </a:schemeClr>
+        </a:solidFill>
+        <a:round/>
+      </a:ln>
+    </cs:spPr>
+  </cs:gridlineMajor>
+  <cs:gridlineMinor>
+    <cs:lnRef idx="0"/>
+    <cs:fillRef idx="0"/>
+    <cs:effectRef idx="0"/>
+    <cs:fontRef idx="minor">
+      <a:schemeClr val="tx1"/>
+    </cs:fontRef>
+    <cs:spPr>
+      <a:ln w="9525" cap="flat" cmpd="sng" algn="ctr">
+        <a:solidFill>
+          <a:schemeClr val="tx1">
+            <a:lumMod val="5000"/>
+            <a:lumOff val="95000"/>
+          </a:schemeClr>
+        </a:solidFill>
+        <a:round/>
+      </a:ln>
+    </cs:spPr>
+  </cs:gridlineMinor>
+  <cs:hiLoLine>
+    <cs:lnRef idx="0"/>
+    <cs:fillRef idx="0"/>
+    <cs:effectRef idx="0"/>
+    <cs:fontRef idx="minor">
+      <a:schemeClr val="tx1"/>
+    </cs:fontRef>
+    <cs:spPr>
+      <a:ln w="9525" cap="flat" cmpd="sng" algn="ctr">
+        <a:solidFill>
+          <a:schemeClr val="tx1">
+            <a:lumMod val="75000"/>
+            <a:lumOff val="25000"/>
+          </a:schemeClr>
+        </a:solidFill>
+        <a:round/>
+      </a:ln>
+    </cs:spPr>
+  </cs:hiLoLine>
+  <cs:leaderLine>
+    <cs:lnRef idx="0"/>
+    <cs:fillRef idx="0"/>
+    <cs:effectRef idx="0"/>
+    <cs:fontRef idx="minor">
+      <a:schemeClr val="tx1"/>
+    </cs:fontRef>
+    <cs:spPr>
+      <a:ln w="9525" cap="flat" cmpd="sng" algn="ctr">
+        <a:solidFill>
+          <a:schemeClr val="tx1">
+            <a:lumMod val="35000"/>
+            <a:lumOff val="65000"/>
+          </a:schemeClr>
+        </a:solidFill>
+        <a:round/>
+      </a:ln>
+    </cs:spPr>
+  </cs:leaderLine>
+  <cs:legend>
+    <cs:lnRef idx="0"/>
+    <cs:fillRef idx="0"/>
+    <cs:effectRef idx="0"/>
+    <cs:fontRef idx="minor">
+      <a:schemeClr val="tx1">
+        <a:lumMod val="65000"/>
+        <a:lumOff val="35000"/>
+      </a:schemeClr>
+    </cs:fontRef>
+    <cs:defRPr sz="900" kern="1200"/>
+  </cs:legend>
+  <cs:plotArea mods="allowNoFillOverride allowNoLineOverride">
+    <cs:lnRef idx="0"/>
+    <cs:fillRef idx="0"/>
+    <cs:effectRef idx="0"/>
+    <cs:fontRef idx="minor">
+      <a:schemeClr val="tx1"/>
+    </cs:fontRef>
+  </cs:plotArea>
+  <cs:plotArea3D mods="allowNoFillOverride allowNoLineOverride">
+    <cs:lnRef idx="0"/>
+    <cs:fillRef idx="0"/>
+    <cs:effectRef idx="0"/>
+    <cs:fontRef idx="minor">
+      <a:schemeClr val="tx1"/>
+    </cs:fontRef>
+  </cs:plotArea3D>
+  <cs:seriesAxis>
+    <cs:lnRef idx="0"/>
+    <cs:fillRef idx="0"/>
+    <cs:effectRef idx="0"/>
+    <cs:fontRef idx="minor">
+      <a:schemeClr val="tx1">
+        <a:lumMod val="65000"/>
+        <a:lumOff val="35000"/>
+      </a:schemeClr>
+    </cs:fontRef>
+    <cs:defRPr sz="900" kern="1200"/>
+  </cs:seriesAxis>
+  <cs:seriesLine>
+    <cs:lnRef idx="0"/>
+    <cs:fillRef idx="0"/>
+    <cs:effectRef idx="0"/>
+    <cs:fontRef idx="minor">
+      <a:schemeClr val="tx1"/>
+    </cs:fontRef>
+    <cs:spPr>
+      <a:ln w="9525" cap="flat" cmpd="sng" algn="ctr">
+        <a:solidFill>
+          <a:schemeClr val="tx1">
+            <a:lumMod val="35000"/>
+            <a:lumOff val="65000"/>
+          </a:schemeClr>
+        </a:solidFill>
+        <a:round/>
+      </a:ln>
+    </cs:spPr>
+  </cs:seriesLine>
+  <cs:title>
+    <cs:lnRef idx="0"/>
+    <cs:fillRef idx="0"/>
+    <cs:effectRef idx="0"/>
+    <cs:fontRef idx="minor">
+      <a:schemeClr val="tx1">
+        <a:lumMod val="65000"/>
+        <a:lumOff val="35000"/>
+      </a:schemeClr>
+    </cs:fontRef>
+    <cs:defRPr sz="1400" b="0" kern="1200" spc="0" baseline="0"/>
+  </cs:title>
+  <cs:trendline>
+    <cs:lnRef idx="0">
+      <cs:styleClr val="auto"/>
+    </cs:lnRef>
+    <cs:fillRef idx="0"/>
+    <cs:effectRef idx="0"/>
+    <cs:fontRef idx="minor">
+      <a:schemeClr val="tx1"/>
+    </cs:fontRef>
+    <cs:spPr>
+      <a:ln w="19050" cap="rnd">
+        <a:solidFill>
+          <a:schemeClr val="phClr"/>
+        </a:solidFill>
+        <a:prstDash val="sysDot"/>
+      </a:ln>
+    </cs:spPr>
+  </cs:trendline>
+  <cs:trendlineLabel>
+    <cs:lnRef idx="0"/>
+    <cs:fillRef idx="0"/>
+    <cs:effectRef idx="0"/>
+    <cs:fontRef idx="minor">
+      <a:schemeClr val="tx1">
+        <a:lumMod val="65000"/>
+        <a:lumOff val="35000"/>
+      </a:schemeClr>
+    </cs:fontRef>
+    <cs:defRPr sz="900" kern="1200"/>
+  </cs:trendlineLabel>
+  <cs:upBar>
+    <cs:lnRef idx="0"/>
+    <cs:fillRef idx="0"/>
+    <cs:effectRef idx="0"/>
+    <cs:fontRef idx="minor">
+      <a:schemeClr val="dk1"/>
+    </cs:fontRef>
+    <cs:spPr>
+      <a:solidFill>
+        <a:schemeClr val="lt1"/>
+      </a:solidFill>
+      <a:ln w="9525">
+        <a:solidFill>
+          <a:schemeClr val="tx1">
+            <a:lumMod val="15000"/>
+            <a:lumOff val="85000"/>
+          </a:schemeClr>
+        </a:solidFill>
+      </a:ln>
+    </cs:spPr>
+  </cs:upBar>
+  <cs:valueAxis>
+    <cs:lnRef idx="0"/>
+    <cs:fillRef idx="0"/>
+    <cs:effectRef idx="0"/>
+    <cs:fontRef idx="minor">
+      <a:schemeClr val="tx1">
+        <a:lumMod val="65000"/>
+        <a:lumOff val="35000"/>
+      </a:schemeClr>
+    </cs:fontRef>
+    <cs:defRPr sz="900" kern="1200"/>
+  </cs:valueAxis>
+  <cs:wall>
+    <cs:lnRef idx="0"/>
+    <cs:fillRef idx="0"/>
+    <cs:effectRef idx="0"/>
+    <cs:fontRef idx="minor">
+      <a:schemeClr val="tx1"/>
+    </cs:fontRef>
+    <cs:spPr>
+      <a:noFill/>
+      <a:ln>
+        <a:noFill/>
+      </a:ln>
+    </cs:spPr>
+  </cs:wall>
+</cs:chartStyle>
+</file>
+
+<file path=ppt/charts/style2.xml><?xml version="1.0" encoding="utf-8"?>
+<cs:chartStyle xmlns:cs="http://schemas.microsoft.com/office/drawing/2012/chartStyle" xmlns:a="http://schemas.openxmlformats.org/drawingml/2006/main" id="201">
+  <cs:axisTitle>
+    <cs:lnRef idx="0"/>
+    <cs:fillRef idx="0"/>
+    <cs:effectRef idx="0"/>
+    <cs:fontRef idx="minor">
+      <a:schemeClr val="tx1">
+        <a:lumMod val="65000"/>
+        <a:lumOff val="35000"/>
+      </a:schemeClr>
+    </cs:fontRef>
+    <cs:defRPr sz="1000" kern="1200"/>
+  </cs:axisTitle>
+  <cs:categoryAxis>
+    <cs:lnRef idx="0"/>
+    <cs:fillRef idx="0"/>
+    <cs:effectRef idx="0"/>
+    <cs:fontRef idx="minor">
+      <a:schemeClr val="tx1">
+        <a:lumMod val="65000"/>
+        <a:lumOff val="35000"/>
+      </a:schemeClr>
+    </cs:fontRef>
+    <cs:spPr>
+      <a:ln w="9525" cap="flat" cmpd="sng" algn="ctr">
+        <a:solidFill>
+          <a:schemeClr val="tx1">
+            <a:lumMod val="15000"/>
+            <a:lumOff val="85000"/>
+          </a:schemeClr>
+        </a:solidFill>
+        <a:round/>
+      </a:ln>
+    </cs:spPr>
+    <cs:defRPr sz="900" kern="1200"/>
+  </cs:categoryAxis>
+  <cs:chartArea mods="allowNoFillOverride allowNoLineOverride">
+    <cs:lnRef idx="0"/>
+    <cs:fillRef idx="0"/>
+    <cs:effectRef idx="0"/>
+    <cs:fontRef idx="minor">
+      <a:schemeClr val="tx1"/>
+    </cs:fontRef>
+    <cs:spPr>
+      <a:solidFill>
+        <a:schemeClr val="bg1"/>
+      </a:solidFill>
+      <a:ln w="9525" cap="flat" cmpd="sng" algn="ctr">
+        <a:solidFill>
+          <a:schemeClr val="tx1">
+            <a:lumMod val="15000"/>
+            <a:lumOff val="85000"/>
+          </a:schemeClr>
+        </a:solidFill>
+        <a:round/>
+      </a:ln>
+    </cs:spPr>
+    <cs:defRPr sz="1000" kern="1200"/>
+  </cs:chartArea>
+  <cs:dataLabel>
+    <cs:lnRef idx="0"/>
+    <cs:fillRef idx="0"/>
+    <cs:effectRef idx="0"/>
+    <cs:fontRef idx="minor">
+      <a:schemeClr val="tx1">
+        <a:lumMod val="75000"/>
+        <a:lumOff val="25000"/>
+      </a:schemeClr>
+    </cs:fontRef>
+    <cs:defRPr sz="900" kern="1200"/>
+  </cs:dataLabel>
+  <cs:dataLabelCallout>
+    <cs:lnRef idx="0"/>
+    <cs:fillRef idx="0"/>
+    <cs:effectRef idx="0"/>
+    <cs:fontRef idx="minor">
+      <a:schemeClr val="dk1">
+        <a:lumMod val="65000"/>
+        <a:lumOff val="35000"/>
+      </a:schemeClr>
+    </cs:fontRef>
+    <cs:spPr>
+      <a:solidFill>
+        <a:schemeClr val="lt1"/>
+      </a:solidFill>
+      <a:ln>
+        <a:solidFill>
+          <a:schemeClr val="dk1">
+            <a:lumMod val="25000"/>
+            <a:lumOff val="75000"/>
+          </a:schemeClr>
+        </a:solidFill>
+      </a:ln>
+    </cs:spPr>
+    <cs:defRPr sz="900" kern="1200"/>
+    <cs:bodyPr rot="0" spcFirstLastPara="1" vertOverflow="clip" horzOverflow="clip" vert="horz" wrap="square" lIns="36576" tIns="18288" rIns="36576" bIns="18288" anchor="ctr" anchorCtr="1">
+      <a:spAutoFit/>
+    </cs:bodyPr>
+  </cs:dataLabelCallout>
+  <cs:dataPoint>
+    <cs:lnRef idx="0"/>
+    <cs:fillRef idx="1">
+      <cs:styleClr val="auto"/>
+    </cs:fillRef>
+    <cs:effectRef idx="0"/>
+    <cs:fontRef idx="minor">
+      <a:schemeClr val="tx1"/>
+    </cs:fontRef>
+  </cs:dataPoint>
+  <cs:dataPoint3D>
+    <cs:lnRef idx="0"/>
+    <cs:fillRef idx="1">
+      <cs:styleClr val="auto"/>
+    </cs:fillRef>
+    <cs:effectRef idx="0"/>
+    <cs:fontRef idx="minor">
+      <a:schemeClr val="tx1"/>
+    </cs:fontRef>
+  </cs:dataPoint3D>
+  <cs:dataPointLine>
+    <cs:lnRef idx="0">
+      <cs:styleClr val="auto"/>
+    </cs:lnRef>
+    <cs:fillRef idx="1"/>
+    <cs:effectRef idx="0"/>
+    <cs:fontRef idx="minor">
+      <a:schemeClr val="tx1"/>
+    </cs:fontRef>
+    <cs:spPr>
+      <a:ln w="28575" cap="rnd">
+        <a:solidFill>
+          <a:schemeClr val="phClr"/>
+        </a:solidFill>
+        <a:round/>
+      </a:ln>
+    </cs:spPr>
+  </cs:dataPointLine>
+  <cs:dataPointMarker>
+    <cs:lnRef idx="0">
+      <cs:styleClr val="auto"/>
+    </cs:lnRef>
+    <cs:fillRef idx="1">
+      <cs:styleClr val="auto"/>
+    </cs:fillRef>
+    <cs:effectRef idx="0"/>
+    <cs:fontRef idx="minor">
+      <a:schemeClr val="tx1"/>
+    </cs:fontRef>
+    <cs:spPr>
+      <a:ln w="9525">
+        <a:solidFill>
+          <a:schemeClr val="phClr"/>
+        </a:solidFill>
+      </a:ln>
+    </cs:spPr>
+  </cs:dataPointMarker>
+  <cs:dataPointMarkerLayout symbol="circle" size="5"/>
+  <cs:dataPointWireframe>
+    <cs:lnRef idx="0">
+      <cs:styleClr val="auto"/>
+    </cs:lnRef>
+    <cs:fillRef idx="1"/>
+    <cs:effectRef idx="0"/>
+    <cs:fontRef idx="minor">
+      <a:schemeClr val="tx1"/>
+    </cs:fontRef>
+    <cs:spPr>
+      <a:ln w="9525" cap="rnd">
+        <a:solidFill>
+          <a:schemeClr val="phClr"/>
+        </a:solidFill>
+        <a:round/>
+      </a:ln>
+    </cs:spPr>
+  </cs:dataPointWireframe>
+  <cs:dataTable>
+    <cs:lnRef idx="0"/>
+    <cs:fillRef idx="0"/>
+    <cs:effectRef idx="0"/>
+    <cs:fontRef idx="minor">
+      <a:schemeClr val="tx1">
+        <a:lumMod val="65000"/>
+        <a:lumOff val="35000"/>
+      </a:schemeClr>
+    </cs:fontRef>
+    <cs:spPr>
+      <a:noFill/>
+      <a:ln w="9525" cap="flat" cmpd="sng" algn="ctr">
+        <a:solidFill>
+          <a:schemeClr val="tx1">
+            <a:lumMod val="15000"/>
+            <a:lumOff val="85000"/>
+          </a:schemeClr>
+        </a:solidFill>
+        <a:round/>
+      </a:ln>
+    </cs:spPr>
+    <cs:defRPr sz="900" kern="1200"/>
+  </cs:dataTable>
+  <cs:downBar>
+    <cs:lnRef idx="0"/>
+    <cs:fillRef idx="0"/>
+    <cs:effectRef idx="0"/>
+    <cs:fontRef idx="minor">
+      <a:schemeClr val="dk1"/>
+    </cs:fontRef>
+    <cs:spPr>
+      <a:solidFill>
+        <a:schemeClr val="dk1">
+          <a:lumMod val="65000"/>
+          <a:lumOff val="35000"/>
+        </a:schemeClr>
+      </a:solidFill>
+      <a:ln w="9525">
+        <a:solidFill>
+          <a:schemeClr val="tx1">
+            <a:lumMod val="65000"/>
+            <a:lumOff val="35000"/>
+          </a:schemeClr>
+        </a:solidFill>
+      </a:ln>
+    </cs:spPr>
+  </cs:downBar>
+  <cs:dropLine>
+    <cs:lnRef idx="0"/>
+    <cs:fillRef idx="0"/>
+    <cs:effectRef idx="0"/>
+    <cs:fontRef idx="minor">
+      <a:schemeClr val="tx1"/>
+    </cs:fontRef>
+    <cs:spPr>
+      <a:ln w="9525" cap="flat" cmpd="sng" algn="ctr">
+        <a:solidFill>
+          <a:schemeClr val="tx1">
+            <a:lumMod val="35000"/>
+            <a:lumOff val="65000"/>
+          </a:schemeClr>
+        </a:solidFill>
+        <a:round/>
+      </a:ln>
+    </cs:spPr>
+  </cs:dropLine>
+  <cs:errorBar>
+    <cs:lnRef idx="0"/>
+    <cs:fillRef idx="0"/>
+    <cs:effectRef idx="0"/>
+    <cs:fontRef idx="minor">
+      <a:schemeClr val="tx1"/>
+    </cs:fontRef>
+    <cs:spPr>
+      <a:ln w="9525" cap="flat" cmpd="sng" algn="ctr">
+        <a:solidFill>
+          <a:schemeClr val="tx1">
+            <a:lumMod val="65000"/>
+            <a:lumOff val="35000"/>
+          </a:schemeClr>
+        </a:solidFill>
+        <a:round/>
+      </a:ln>
+    </cs:spPr>
+  </cs:errorBar>
+  <cs:floor>
+    <cs:lnRef idx="0"/>
+    <cs:fillRef idx="0"/>
+    <cs:effectRef idx="0"/>
+    <cs:fontRef idx="minor">
+      <a:schemeClr val="tx1"/>
+    </cs:fontRef>
+    <cs:spPr>
+      <a:noFill/>
+      <a:ln>
+        <a:noFill/>
+      </a:ln>
+    </cs:spPr>
+  </cs:floor>
+  <cs:gridlineMajor>
+    <cs:lnRef idx="0"/>
+    <cs:fillRef idx="0"/>
+    <cs:effectRef idx="0"/>
+    <cs:fontRef idx="minor">
+      <a:schemeClr val="tx1"/>
+    </cs:fontRef>
+    <cs:spPr>
+      <a:ln w="9525" cap="flat" cmpd="sng" algn="ctr">
+        <a:solidFill>
+          <a:schemeClr val="tx1">
+            <a:lumMod val="15000"/>
+            <a:lumOff val="85000"/>
+          </a:schemeClr>
+        </a:solidFill>
+        <a:round/>
+      </a:ln>
+    </cs:spPr>
+  </cs:gridlineMajor>
+  <cs:gridlineMinor>
+    <cs:lnRef idx="0"/>
+    <cs:fillRef idx="0"/>
+    <cs:effectRef idx="0"/>
+    <cs:fontRef idx="minor">
+      <a:schemeClr val="tx1"/>
+    </cs:fontRef>
+    <cs:spPr>
+      <a:ln w="9525" cap="flat" cmpd="sng" algn="ctr">
+        <a:solidFill>
+          <a:schemeClr val="tx1">
+            <a:lumMod val="5000"/>
+            <a:lumOff val="95000"/>
+          </a:schemeClr>
+        </a:solidFill>
+        <a:round/>
+      </a:ln>
+    </cs:spPr>
+  </cs:gridlineMinor>
+  <cs:hiLoLine>
+    <cs:lnRef idx="0"/>
+    <cs:fillRef idx="0"/>
+    <cs:effectRef idx="0"/>
+    <cs:fontRef idx="minor">
+      <a:schemeClr val="tx1"/>
+    </cs:fontRef>
+    <cs:spPr>
+      <a:ln w="9525" cap="flat" cmpd="sng" algn="ctr">
+        <a:solidFill>
+          <a:schemeClr val="tx1">
+            <a:lumMod val="75000"/>
+            <a:lumOff val="25000"/>
+          </a:schemeClr>
+        </a:solidFill>
+        <a:round/>
+      </a:ln>
+    </cs:spPr>
+  </cs:hiLoLine>
+  <cs:leaderLine>
+    <cs:lnRef idx="0"/>
+    <cs:fillRef idx="0"/>
+    <cs:effectRef idx="0"/>
+    <cs:fontRef idx="minor">
+      <a:schemeClr val="tx1"/>
+    </cs:fontRef>
+    <cs:spPr>
+      <a:ln w="9525" cap="flat" cmpd="sng" algn="ctr">
+        <a:solidFill>
+          <a:schemeClr val="tx1">
+            <a:lumMod val="35000"/>
+            <a:lumOff val="65000"/>
+          </a:schemeClr>
+        </a:solidFill>
+        <a:round/>
+      </a:ln>
+    </cs:spPr>
+  </cs:leaderLine>
+  <cs:legend>
+    <cs:lnRef idx="0"/>
+    <cs:fillRef idx="0"/>
+    <cs:effectRef idx="0"/>
+    <cs:fontRef idx="minor">
+      <a:schemeClr val="tx1">
+        <a:lumMod val="65000"/>
+        <a:lumOff val="35000"/>
+      </a:schemeClr>
+    </cs:fontRef>
+    <cs:defRPr sz="900" kern="1200"/>
+  </cs:legend>
+  <cs:plotArea mods="allowNoFillOverride allowNoLineOverride">
+    <cs:lnRef idx="0"/>
+    <cs:fillRef idx="0"/>
+    <cs:effectRef idx="0"/>
+    <cs:fontRef idx="minor">
+      <a:schemeClr val="tx1"/>
+    </cs:fontRef>
+  </cs:plotArea>
+  <cs:plotArea3D mods="allowNoFillOverride allowNoLineOverride">
+    <cs:lnRef idx="0"/>
+    <cs:fillRef idx="0"/>
+    <cs:effectRef idx="0"/>
+    <cs:fontRef idx="minor">
+      <a:schemeClr val="tx1"/>
+    </cs:fontRef>
+  </cs:plotArea3D>
+  <cs:seriesAxis>
+    <cs:lnRef idx="0"/>
+    <cs:fillRef idx="0"/>
+    <cs:effectRef idx="0"/>
+    <cs:fontRef idx="minor">
+      <a:schemeClr val="tx1">
+        <a:lumMod val="65000"/>
+        <a:lumOff val="35000"/>
+      </a:schemeClr>
+    </cs:fontRef>
+    <cs:defRPr sz="900" kern="1200"/>
+  </cs:seriesAxis>
+  <cs:seriesLine>
+    <cs:lnRef idx="0"/>
+    <cs:fillRef idx="0"/>
+    <cs:effectRef idx="0"/>
+    <cs:fontRef idx="minor">
+      <a:schemeClr val="tx1"/>
+    </cs:fontRef>
+    <cs:spPr>
+      <a:ln w="9525" cap="flat" cmpd="sng" algn="ctr">
+        <a:solidFill>
+          <a:schemeClr val="tx1">
+            <a:lumMod val="35000"/>
+            <a:lumOff val="65000"/>
+          </a:schemeClr>
+        </a:solidFill>
+        <a:round/>
+      </a:ln>
+    </cs:spPr>
+  </cs:seriesLine>
+  <cs:title>
+    <cs:lnRef idx="0"/>
+    <cs:fillRef idx="0"/>
+    <cs:effectRef idx="0"/>
+    <cs:fontRef idx="minor">
+      <a:schemeClr val="tx1">
+        <a:lumMod val="65000"/>
+        <a:lumOff val="35000"/>
+      </a:schemeClr>
+    </cs:fontRef>
+    <cs:defRPr sz="1400" b="0" kern="1200" spc="0" baseline="0"/>
+  </cs:title>
+  <cs:trendline>
+    <cs:lnRef idx="0">
+      <cs:styleClr val="auto"/>
+    </cs:lnRef>
+    <cs:fillRef idx="0"/>
+    <cs:effectRef idx="0"/>
+    <cs:fontRef idx="minor">
+      <a:schemeClr val="tx1"/>
+    </cs:fontRef>
+    <cs:spPr>
+      <a:ln w="19050" cap="rnd">
+        <a:solidFill>
+          <a:schemeClr val="phClr"/>
+        </a:solidFill>
+        <a:prstDash val="sysDot"/>
+      </a:ln>
+    </cs:spPr>
+  </cs:trendline>
+  <cs:trendlineLabel>
+    <cs:lnRef idx="0"/>
+    <cs:fillRef idx="0"/>
+    <cs:effectRef idx="0"/>
+    <cs:fontRef idx="minor">
+      <a:schemeClr val="tx1">
+        <a:lumMod val="65000"/>
+        <a:lumOff val="35000"/>
+      </a:schemeClr>
+    </cs:fontRef>
+    <cs:defRPr sz="900" kern="1200"/>
+  </cs:trendlineLabel>
+  <cs:upBar>
+    <cs:lnRef idx="0"/>
+    <cs:fillRef idx="0"/>
+    <cs:effectRef idx="0"/>
+    <cs:fontRef idx="minor">
+      <a:schemeClr val="dk1"/>
+    </cs:fontRef>
+    <cs:spPr>
+      <a:solidFill>
+        <a:schemeClr val="lt1"/>
+      </a:solidFill>
+      <a:ln w="9525">
+        <a:solidFill>
+          <a:schemeClr val="tx1">
+            <a:lumMod val="15000"/>
+            <a:lumOff val="85000"/>
+          </a:schemeClr>
+        </a:solidFill>
+      </a:ln>
+    </cs:spPr>
+  </cs:upBar>
+  <cs:valueAxis>
+    <cs:lnRef idx="0"/>
+    <cs:fillRef idx="0"/>
+    <cs:effectRef idx="0"/>
+    <cs:fontRef idx="minor">
+      <a:schemeClr val="tx1">
+        <a:lumMod val="65000"/>
+        <a:lumOff val="35000"/>
+      </a:schemeClr>
+    </cs:fontRef>
+    <cs:defRPr sz="900" kern="1200"/>
+  </cs:valueAxis>
+  <cs:wall>
+    <cs:lnRef idx="0"/>
+    <cs:fillRef idx="0"/>
+    <cs:effectRef idx="0"/>
+    <cs:fontRef idx="minor">
+      <a:schemeClr val="tx1"/>
+    </cs:fontRef>
+    <cs:spPr>
+      <a:noFill/>
+      <a:ln>
+        <a:noFill/>
+      </a:ln>
+    </cs:spPr>
+  </cs:wall>
+</cs:chartStyle>
+</file>
+
+<file path=ppt/charts/style3.xml><?xml version="1.0" encoding="utf-8"?>
+<cs:chartStyle xmlns:cs="http://schemas.microsoft.com/office/drawing/2012/chartStyle" xmlns:a="http://schemas.openxmlformats.org/drawingml/2006/main" id="201">
+  <cs:axisTitle>
+    <cs:lnRef idx="0"/>
+    <cs:fillRef idx="0"/>
+    <cs:effectRef idx="0"/>
+    <cs:fontRef idx="minor">
+      <a:schemeClr val="tx1">
+        <a:lumMod val="65000"/>
+        <a:lumOff val="35000"/>
+      </a:schemeClr>
+    </cs:fontRef>
+    <cs:defRPr sz="1000" kern="1200"/>
+  </cs:axisTitle>
+  <cs:categoryAxis>
+    <cs:lnRef idx="0"/>
+    <cs:fillRef idx="0"/>
+    <cs:effectRef idx="0"/>
+    <cs:fontRef idx="minor">
+      <a:schemeClr val="tx1">
+        <a:lumMod val="65000"/>
+        <a:lumOff val="35000"/>
+      </a:schemeClr>
+    </cs:fontRef>
+    <cs:spPr>
+      <a:ln w="9525" cap="flat" cmpd="sng" algn="ctr">
+        <a:solidFill>
+          <a:schemeClr val="tx1">
+            <a:lumMod val="15000"/>
+            <a:lumOff val="85000"/>
+          </a:schemeClr>
+        </a:solidFill>
+        <a:round/>
+      </a:ln>
+    </cs:spPr>
+    <cs:defRPr sz="900" kern="1200"/>
+  </cs:categoryAxis>
+  <cs:chartArea mods="allowNoFillOverride allowNoLineOverride">
+    <cs:lnRef idx="0"/>
+    <cs:fillRef idx="0"/>
+    <cs:effectRef idx="0"/>
+    <cs:fontRef idx="minor">
+      <a:schemeClr val="tx1"/>
+    </cs:fontRef>
+    <cs:spPr>
+      <a:solidFill>
+        <a:schemeClr val="bg1"/>
+      </a:solidFill>
+      <a:ln w="9525" cap="flat" cmpd="sng" algn="ctr">
+        <a:solidFill>
+          <a:schemeClr val="tx1">
+            <a:lumMod val="15000"/>
+            <a:lumOff val="85000"/>
+          </a:schemeClr>
+        </a:solidFill>
+        <a:round/>
+      </a:ln>
+    </cs:spPr>
+    <cs:defRPr sz="1000" kern="1200"/>
+  </cs:chartArea>
+  <cs:dataLabel>
+    <cs:lnRef idx="0"/>
+    <cs:fillRef idx="0"/>
+    <cs:effectRef idx="0"/>
+    <cs:fontRef idx="minor">
+      <a:schemeClr val="tx1">
+        <a:lumMod val="75000"/>
+        <a:lumOff val="25000"/>
+      </a:schemeClr>
+    </cs:fontRef>
+    <cs:defRPr sz="900" kern="1200"/>
+  </cs:dataLabel>
+  <cs:dataLabelCallout>
+    <cs:lnRef idx="0"/>
+    <cs:fillRef idx="0"/>
+    <cs:effectRef idx="0"/>
+    <cs:fontRef idx="minor">
+      <a:schemeClr val="dk1">
+        <a:lumMod val="65000"/>
+        <a:lumOff val="35000"/>
+      </a:schemeClr>
+    </cs:fontRef>
+    <cs:spPr>
+      <a:solidFill>
+        <a:schemeClr val="lt1"/>
+      </a:solidFill>
+      <a:ln>
+        <a:solidFill>
+          <a:schemeClr val="dk1">
+            <a:lumMod val="25000"/>
+            <a:lumOff val="75000"/>
+          </a:schemeClr>
+        </a:solidFill>
+      </a:ln>
+    </cs:spPr>
+    <cs:defRPr sz="900" kern="1200"/>
+    <cs:bodyPr rot="0" spcFirstLastPara="1" vertOverflow="clip" horzOverflow="clip" vert="horz" wrap="square" lIns="36576" tIns="18288" rIns="36576" bIns="18288" anchor="ctr" anchorCtr="1">
+      <a:spAutoFit/>
+    </cs:bodyPr>
+  </cs:dataLabelCallout>
+  <cs:dataPoint>
+    <cs:lnRef idx="0"/>
+    <cs:fillRef idx="1">
+      <cs:styleClr val="auto"/>
+    </cs:fillRef>
+    <cs:effectRef idx="0"/>
+    <cs:fontRef idx="minor">
+      <a:schemeClr val="tx1"/>
+    </cs:fontRef>
+  </cs:dataPoint>
+  <cs:dataPoint3D>
+    <cs:lnRef idx="0"/>
+    <cs:fillRef idx="1">
+      <cs:styleClr val="auto"/>
+    </cs:fillRef>
+    <cs:effectRef idx="0"/>
+    <cs:fontRef idx="minor">
+      <a:schemeClr val="tx1"/>
+    </cs:fontRef>
+  </cs:dataPoint3D>
+  <cs:dataPointLine>
+    <cs:lnRef idx="0">
+      <cs:styleClr val="auto"/>
+    </cs:lnRef>
+    <cs:fillRef idx="1"/>
+    <cs:effectRef idx="0"/>
+    <cs:fontRef idx="minor">
+      <a:schemeClr val="tx1"/>
+    </cs:fontRef>
+    <cs:spPr>
+      <a:ln w="28575" cap="rnd">
+        <a:solidFill>
+          <a:schemeClr val="phClr"/>
+        </a:solidFill>
+        <a:round/>
+      </a:ln>
+    </cs:spPr>
+  </cs:dataPointLine>
+  <cs:dataPointMarker>
+    <cs:lnRef idx="0">
+      <cs:styleClr val="auto"/>
+    </cs:lnRef>
+    <cs:fillRef idx="1">
+      <cs:styleClr val="auto"/>
+    </cs:fillRef>
+    <cs:effectRef idx="0"/>
+    <cs:fontRef idx="minor">
+      <a:schemeClr val="tx1"/>
+    </cs:fontRef>
+    <cs:spPr>
+      <a:ln w="9525">
+        <a:solidFill>
+          <a:schemeClr val="phClr"/>
+        </a:solidFill>
+      </a:ln>
+    </cs:spPr>
+  </cs:dataPointMarker>
+  <cs:dataPointMarkerLayout symbol="circle" size="5"/>
+  <cs:dataPointWireframe>
+    <cs:lnRef idx="0">
+      <cs:styleClr val="auto"/>
+    </cs:lnRef>
+    <cs:fillRef idx="1"/>
+    <cs:effectRef idx="0"/>
+    <cs:fontRef idx="minor">
+      <a:schemeClr val="tx1"/>
+    </cs:fontRef>
+    <cs:spPr>
+      <a:ln w="9525" cap="rnd">
+        <a:solidFill>
+          <a:schemeClr val="phClr"/>
+        </a:solidFill>
+        <a:round/>
+      </a:ln>
+    </cs:spPr>
+  </cs:dataPointWireframe>
+  <cs:dataTable>
+    <cs:lnRef idx="0"/>
+    <cs:fillRef idx="0"/>
+    <cs:effectRef idx="0"/>
+    <cs:fontRef idx="minor">
+      <a:schemeClr val="tx1">
+        <a:lumMod val="65000"/>
+        <a:lumOff val="35000"/>
+      </a:schemeClr>
+    </cs:fontRef>
+    <cs:spPr>
+      <a:noFill/>
+      <a:ln w="9525" cap="flat" cmpd="sng" algn="ctr">
+        <a:solidFill>
+          <a:schemeClr val="tx1">
+            <a:lumMod val="15000"/>
+            <a:lumOff val="85000"/>
+          </a:schemeClr>
+        </a:solidFill>
+        <a:round/>
+      </a:ln>
+    </cs:spPr>
+    <cs:defRPr sz="900" kern="1200"/>
+  </cs:dataTable>
+  <cs:downBar>
+    <cs:lnRef idx="0"/>
+    <cs:fillRef idx="0"/>
+    <cs:effectRef idx="0"/>
+    <cs:fontRef idx="minor">
+      <a:schemeClr val="dk1"/>
+    </cs:fontRef>
+    <cs:spPr>
+      <a:solidFill>
+        <a:schemeClr val="dk1">
+          <a:lumMod val="65000"/>
+          <a:lumOff val="35000"/>
+        </a:schemeClr>
+      </a:solidFill>
+      <a:ln w="9525">
+        <a:solidFill>
+          <a:schemeClr val="tx1">
+            <a:lumMod val="65000"/>
+            <a:lumOff val="35000"/>
+          </a:schemeClr>
+        </a:solidFill>
+      </a:ln>
+    </cs:spPr>
+  </cs:downBar>
+  <cs:dropLine>
+    <cs:lnRef idx="0"/>
+    <cs:fillRef idx="0"/>
+    <cs:effectRef idx="0"/>
+    <cs:fontRef idx="minor">
+      <a:schemeClr val="tx1"/>
+    </cs:fontRef>
+    <cs:spPr>
+      <a:ln w="9525" cap="flat" cmpd="sng" algn="ctr">
+        <a:solidFill>
+          <a:schemeClr val="tx1">
+            <a:lumMod val="35000"/>
+            <a:lumOff val="65000"/>
+          </a:schemeClr>
+        </a:solidFill>
+        <a:round/>
+      </a:ln>
+    </cs:spPr>
+  </cs:dropLine>
+  <cs:errorBar>
+    <cs:lnRef idx="0"/>
+    <cs:fillRef idx="0"/>
+    <cs:effectRef idx="0"/>
+    <cs:fontRef idx="minor">
+      <a:schemeClr val="tx1"/>
+    </cs:fontRef>
+    <cs:spPr>
+      <a:ln w="9525" cap="flat" cmpd="sng" algn="ctr">
+        <a:solidFill>
+          <a:schemeClr val="tx1">
+            <a:lumMod val="65000"/>
+            <a:lumOff val="35000"/>
+          </a:schemeClr>
+        </a:solidFill>
+        <a:round/>
+      </a:ln>
+    </cs:spPr>
+  </cs:errorBar>
+  <cs:floor>
+    <cs:lnRef idx="0"/>
+    <cs:fillRef idx="0"/>
+    <cs:effectRef idx="0"/>
+    <cs:fontRef idx="minor">
+      <a:schemeClr val="tx1"/>
+    </cs:fontRef>
+    <cs:spPr>
+      <a:noFill/>
+      <a:ln>
+        <a:noFill/>
+      </a:ln>
+    </cs:spPr>
+  </cs:floor>
+  <cs:gridlineMajor>
+    <cs:lnRef idx="0"/>
+    <cs:fillRef idx="0"/>
+    <cs:effectRef idx="0"/>
+    <cs:fontRef idx="minor">
+      <a:schemeClr val="tx1"/>
+    </cs:fontRef>
+    <cs:spPr>
+      <a:ln w="9525" cap="flat" cmpd="sng" algn="ctr">
+        <a:solidFill>
+          <a:schemeClr val="tx1">
+            <a:lumMod val="15000"/>
+            <a:lumOff val="85000"/>
+          </a:schemeClr>
+        </a:solidFill>
+        <a:round/>
+      </a:ln>
+    </cs:spPr>
+  </cs:gridlineMajor>
+  <cs:gridlineMinor>
+    <cs:lnRef idx="0"/>
+    <cs:fillRef idx="0"/>
+    <cs:effectRef idx="0"/>
+    <cs:fontRef idx="minor">
+      <a:schemeClr val="tx1"/>
+    </cs:fontRef>
+    <cs:spPr>
+      <a:ln w="9525" cap="flat" cmpd="sng" algn="ctr">
+        <a:solidFill>
+          <a:schemeClr val="tx1">
+            <a:lumMod val="5000"/>
+            <a:lumOff val="95000"/>
+          </a:schemeClr>
+        </a:solidFill>
+        <a:round/>
+      </a:ln>
+    </cs:spPr>
+  </cs:gridlineMinor>
+  <cs:hiLoLine>
+    <cs:lnRef idx="0"/>
+    <cs:fillRef idx="0"/>
+    <cs:effectRef idx="0"/>
+    <cs:fontRef idx="minor">
+      <a:schemeClr val="tx1"/>
+    </cs:fontRef>
+    <cs:spPr>
+      <a:ln w="9525" cap="flat" cmpd="sng" algn="ctr">
+        <a:solidFill>
+          <a:schemeClr val="tx1">
+            <a:lumMod val="75000"/>
+            <a:lumOff val="25000"/>
+          </a:schemeClr>
+        </a:solidFill>
+        <a:round/>
+      </a:ln>
+    </cs:spPr>
+  </cs:hiLoLine>
+  <cs:leaderLine>
+    <cs:lnRef idx="0"/>
+    <cs:fillRef idx="0"/>
+    <cs:effectRef idx="0"/>
+    <cs:fontRef idx="minor">
+      <a:schemeClr val="tx1"/>
+    </cs:fontRef>
+    <cs:spPr>
+      <a:ln w="9525" cap="flat" cmpd="sng" algn="ctr">
+        <a:solidFill>
+          <a:schemeClr val="tx1">
+            <a:lumMod val="35000"/>
+            <a:lumOff val="65000"/>
+          </a:schemeClr>
+        </a:solidFill>
+        <a:round/>
+      </a:ln>
+    </cs:spPr>
+  </cs:leaderLine>
+  <cs:legend>
+    <cs:lnRef idx="0"/>
+    <cs:fillRef idx="0"/>
+    <cs:effectRef idx="0"/>
+    <cs:fontRef idx="minor">
+      <a:schemeClr val="tx1">
+        <a:lumMod val="65000"/>
+        <a:lumOff val="35000"/>
+      </a:schemeClr>
+    </cs:fontRef>
+    <cs:defRPr sz="900" kern="1200"/>
+  </cs:legend>
+  <cs:plotArea mods="allowNoFillOverride allowNoLineOverride">
+    <cs:lnRef idx="0"/>
+    <cs:fillRef idx="0"/>
+    <cs:effectRef idx="0"/>
+    <cs:fontRef idx="minor">
+      <a:schemeClr val="tx1"/>
+    </cs:fontRef>
+  </cs:plotArea>
+  <cs:plotArea3D mods="allowNoFillOverride allowNoLineOverride">
+    <cs:lnRef idx="0"/>
+    <cs:fillRef idx="0"/>
+    <cs:effectRef idx="0"/>
+    <cs:fontRef idx="minor">
+      <a:schemeClr val="tx1"/>
+    </cs:fontRef>
+  </cs:plotArea3D>
+  <cs:seriesAxis>
+    <cs:lnRef idx="0"/>
+    <cs:fillRef idx="0"/>
+    <cs:effectRef idx="0"/>
+    <cs:fontRef idx="minor">
+      <a:schemeClr val="tx1">
+        <a:lumMod val="65000"/>
+        <a:lumOff val="35000"/>
+      </a:schemeClr>
+    </cs:fontRef>
+    <cs:defRPr sz="900" kern="1200"/>
+  </cs:seriesAxis>
+  <cs:seriesLine>
+    <cs:lnRef idx="0"/>
+    <cs:fillRef idx="0"/>
+    <cs:effectRef idx="0"/>
+    <cs:fontRef idx="minor">
+      <a:schemeClr val="tx1"/>
+    </cs:fontRef>
+    <cs:spPr>
+      <a:ln w="9525" cap="flat" cmpd="sng" algn="ctr">
+        <a:solidFill>
+          <a:schemeClr val="tx1">
+            <a:lumMod val="35000"/>
+            <a:lumOff val="65000"/>
+          </a:schemeClr>
+        </a:solidFill>
+        <a:round/>
+      </a:ln>
+    </cs:spPr>
+  </cs:seriesLine>
+  <cs:title>
+    <cs:lnRef idx="0"/>
+    <cs:fillRef idx="0"/>
+    <cs:effectRef idx="0"/>
+    <cs:fontRef idx="minor">
+      <a:schemeClr val="tx1">
+        <a:lumMod val="65000"/>
+        <a:lumOff val="35000"/>
+      </a:schemeClr>
+    </cs:fontRef>
+    <cs:defRPr sz="1400" b="0" kern="1200" spc="0" baseline="0"/>
+  </cs:title>
+  <cs:trendline>
+    <cs:lnRef idx="0">
+      <cs:styleClr val="auto"/>
+    </cs:lnRef>
+    <cs:fillRef idx="0"/>
+    <cs:effectRef idx="0"/>
+    <cs:fontRef idx="minor">
+      <a:schemeClr val="tx1"/>
+    </cs:fontRef>
+    <cs:spPr>
+      <a:ln w="19050" cap="rnd">
+        <a:solidFill>
+          <a:schemeClr val="phClr"/>
+        </a:solidFill>
+        <a:prstDash val="sysDot"/>
+      </a:ln>
+    </cs:spPr>
+  </cs:trendline>
+  <cs:trendlineLabel>
+    <cs:lnRef idx="0"/>
+    <cs:fillRef idx="0"/>
+    <cs:effectRef idx="0"/>
+    <cs:fontRef idx="minor">
+      <a:schemeClr val="tx1">
+        <a:lumMod val="65000"/>
+        <a:lumOff val="35000"/>
+      </a:schemeClr>
+    </cs:fontRef>
+    <cs:defRPr sz="900" kern="1200"/>
+  </cs:trendlineLabel>
+  <cs:upBar>
+    <cs:lnRef idx="0"/>
+    <cs:fillRef idx="0"/>
+    <cs:effectRef idx="0"/>
+    <cs:fontRef idx="minor">
+      <a:schemeClr val="dk1"/>
+    </cs:fontRef>
+    <cs:spPr>
+      <a:solidFill>
+        <a:schemeClr val="lt1"/>
+      </a:solidFill>
+      <a:ln w="9525">
+        <a:solidFill>
+          <a:schemeClr val="tx1">
+            <a:lumMod val="15000"/>
+            <a:lumOff val="85000"/>
+          </a:schemeClr>
+        </a:solidFill>
+      </a:ln>
+    </cs:spPr>
+  </cs:upBar>
+  <cs:valueAxis>
+    <cs:lnRef idx="0"/>
+    <cs:fillRef idx="0"/>
+    <cs:effectRef idx="0"/>
+    <cs:fontRef idx="minor">
+      <a:schemeClr val="tx1">
+        <a:lumMod val="65000"/>
+        <a:lumOff val="35000"/>
+      </a:schemeClr>
+    </cs:fontRef>
+    <cs:defRPr sz="900" kern="1200"/>
+  </cs:valueAxis>
+  <cs:wall>
+    <cs:lnRef idx="0"/>
+    <cs:fillRef idx="0"/>
+    <cs:effectRef idx="0"/>
+    <cs:fontRef idx="minor">
+      <a:schemeClr val="tx1"/>
+    </cs:fontRef>
+    <cs:spPr>
+      <a:noFill/>
+      <a:ln>
+        <a:noFill/>
+      </a:ln>
+    </cs:spPr>
+  </cs:wall>
+</cs:chartStyle>
 </file>
 
 <file path=ppt/slideLayouts/slideLayout1.xml><?xml version="1.0" encoding="utf-8"?>
@@ -7696,7 +10735,7 @@
         <p:spPr>
           <a:xfrm>
             <a:off x="1404938" y="2311398"/>
-            <a:ext cx="9382124" cy="3693319"/>
+            <a:ext cx="9382124" cy="3939540"/>
           </a:xfrm>
           <a:prstGeom prst="rect">
             <a:avLst/>
@@ -7778,7 +10817,7 @@
             </a:pPr>
             <a:r>
               <a:rPr lang="fr-FR" sz="1600" dirty="0"/>
-              <a:t>Documentation : étude réalisée sur les écuries de F1, leurs investissements, leurs rentabilités</a:t>
+              <a:t>Documentation : étude réalisée sur les constructeurs et les écuries de F1, leurs investissements, leurs rentabilités et leur avenir.</a:t>
             </a:r>
           </a:p>
           <a:p>
@@ -7831,6 +10870,199 @@
 </file>
 
 <file path=ppt/slides/slide3.xml><?xml version="1.0" encoding="utf-8"?>
+<p:sld xmlns:a="http://schemas.openxmlformats.org/drawingml/2006/main" xmlns:r="http://schemas.openxmlformats.org/officeDocument/2006/relationships" xmlns:p="http://schemas.openxmlformats.org/presentationml/2006/main">
+  <p:cSld>
+    <p:spTree>
+      <p:nvGrpSpPr>
+        <p:cNvPr id="1" name=""/>
+        <p:cNvGrpSpPr/>
+        <p:nvPr/>
+      </p:nvGrpSpPr>
+      <p:grpSpPr>
+        <a:xfrm>
+          <a:off x="0" y="0"/>
+          <a:ext cx="0" cy="0"/>
+          <a:chOff x="0" y="0"/>
+          <a:chExt cx="0" cy="0"/>
+        </a:xfrm>
+      </p:grpSpPr>
+      <p:sp>
+        <p:nvSpPr>
+          <p:cNvPr id="2" name="Titre 1">
+            <a:extLst>
+              <a:ext uri="{FF2B5EF4-FFF2-40B4-BE49-F238E27FC236}">
+                <a16:creationId xmlns:a16="http://schemas.microsoft.com/office/drawing/2014/main" id="{916D27B0-B0BF-4445-8F5A-C436FB0AA3A2}"/>
+              </a:ext>
+            </a:extLst>
+          </p:cNvPr>
+          <p:cNvSpPr>
+            <a:spLocks noGrp="1"/>
+          </p:cNvSpPr>
+          <p:nvPr>
+            <p:ph type="title"/>
+          </p:nvPr>
+        </p:nvSpPr>
+        <p:spPr>
+          <a:xfrm>
+            <a:off x="219559" y="152399"/>
+            <a:ext cx="8025539" cy="669011"/>
+          </a:xfrm>
+        </p:spPr>
+        <p:txBody>
+          <a:bodyPr>
+            <a:noAutofit/>
+          </a:bodyPr>
+          <a:lstStyle/>
+          <a:p>
+            <a:r>
+              <a:rPr lang="fr-FR" sz="3200" dirty="0"/>
+              <a:t>L’Etude du marché automobile pour une meilleure prédiction:</a:t>
+            </a:r>
+          </a:p>
+        </p:txBody>
+      </p:sp>
+      <p:pic>
+        <p:nvPicPr>
+          <p:cNvPr id="4" name="Espace réservé du contenu 3">
+            <a:extLst>
+              <a:ext uri="{FF2B5EF4-FFF2-40B4-BE49-F238E27FC236}">
+                <a16:creationId xmlns:a16="http://schemas.microsoft.com/office/drawing/2014/main" id="{2F558B99-214C-4604-80A2-006CA7125C47}"/>
+              </a:ext>
+            </a:extLst>
+          </p:cNvPr>
+          <p:cNvPicPr>
+            <a:picLocks noGrp="1"/>
+          </p:cNvPicPr>
+          <p:nvPr>
+            <p:ph idx="1"/>
+          </p:nvPr>
+        </p:nvPicPr>
+        <p:blipFill>
+          <a:blip r:embed="rId2"/>
+          <a:srcRect l="13228" t="17832" r="42240" b="10249"/>
+          <a:stretch>
+            <a:fillRect/>
+          </a:stretch>
+        </p:blipFill>
+        <p:spPr>
+          <a:xfrm>
+            <a:off x="873760" y="3824681"/>
+            <a:ext cx="4886707" cy="2886559"/>
+          </a:xfrm>
+          <a:prstGeom prst="rect">
+            <a:avLst/>
+          </a:prstGeom>
+          <a:noFill/>
+          <a:ln>
+            <a:noFill/>
+            <a:prstDash/>
+          </a:ln>
+        </p:spPr>
+      </p:pic>
+      <p:graphicFrame>
+        <p:nvGraphicFramePr>
+          <p:cNvPr id="5" name="Graphique 4">
+            <a:extLst>
+              <a:ext uri="{FF2B5EF4-FFF2-40B4-BE49-F238E27FC236}">
+                <a16:creationId xmlns:a16="http://schemas.microsoft.com/office/drawing/2014/main" id="{F5A63419-7B10-4E17-96B7-9D1C6AF73436}"/>
+              </a:ext>
+            </a:extLst>
+          </p:cNvPr>
+          <p:cNvGraphicFramePr>
+            <a:graphicFrameLocks/>
+          </p:cNvGraphicFramePr>
+          <p:nvPr>
+            <p:extLst>
+              <p:ext uri="{D42A27DB-BD31-4B8C-83A1-F6EECF244321}">
+                <p14:modId xmlns:p14="http://schemas.microsoft.com/office/powerpoint/2010/main" val="1491683745"/>
+              </p:ext>
+            </p:extLst>
+          </p:nvPr>
+        </p:nvGraphicFramePr>
+        <p:xfrm>
+          <a:off x="6899156" y="951445"/>
+          <a:ext cx="4572000" cy="2743200"/>
+        </p:xfrm>
+        <a:graphic>
+          <a:graphicData uri="http://schemas.openxmlformats.org/drawingml/2006/chart">
+            <c:chart xmlns:c="http://schemas.openxmlformats.org/drawingml/2006/chart" xmlns:r="http://schemas.openxmlformats.org/officeDocument/2006/relationships" r:id="rId3"/>
+          </a:graphicData>
+        </a:graphic>
+      </p:graphicFrame>
+      <p:graphicFrame>
+        <p:nvGraphicFramePr>
+          <p:cNvPr id="6" name="Graphique 5">
+            <a:extLst>
+              <a:ext uri="{FF2B5EF4-FFF2-40B4-BE49-F238E27FC236}">
+                <a16:creationId xmlns:a16="http://schemas.microsoft.com/office/drawing/2014/main" id="{566BDE09-80D2-4FE5-B102-1C9F73A1A607}"/>
+              </a:ext>
+            </a:extLst>
+          </p:cNvPr>
+          <p:cNvGraphicFramePr>
+            <a:graphicFrameLocks/>
+          </p:cNvGraphicFramePr>
+          <p:nvPr>
+            <p:extLst>
+              <p:ext uri="{D42A27DB-BD31-4B8C-83A1-F6EECF244321}">
+                <p14:modId xmlns:p14="http://schemas.microsoft.com/office/powerpoint/2010/main" val="2506542782"/>
+              </p:ext>
+            </p:extLst>
+          </p:nvPr>
+        </p:nvGraphicFramePr>
+        <p:xfrm>
+          <a:off x="6940313" y="3896361"/>
+          <a:ext cx="4489687" cy="2743200"/>
+        </p:xfrm>
+        <a:graphic>
+          <a:graphicData uri="http://schemas.openxmlformats.org/drawingml/2006/chart">
+            <c:chart xmlns:c="http://schemas.openxmlformats.org/drawingml/2006/chart" xmlns:r="http://schemas.openxmlformats.org/officeDocument/2006/relationships" r:id="rId4"/>
+          </a:graphicData>
+        </a:graphic>
+      </p:graphicFrame>
+      <p:graphicFrame>
+        <p:nvGraphicFramePr>
+          <p:cNvPr id="7" name="Graphique 6">
+            <a:extLst>
+              <a:ext uri="{FF2B5EF4-FFF2-40B4-BE49-F238E27FC236}">
+                <a16:creationId xmlns:a16="http://schemas.microsoft.com/office/drawing/2014/main" id="{55BDB5E4-05D8-4063-A129-D9C469D33F48}"/>
+              </a:ext>
+            </a:extLst>
+          </p:cNvPr>
+          <p:cNvGraphicFramePr>
+            <a:graphicFrameLocks/>
+          </p:cNvGraphicFramePr>
+          <p:nvPr>
+            <p:extLst>
+              <p:ext uri="{D42A27DB-BD31-4B8C-83A1-F6EECF244321}">
+                <p14:modId xmlns:p14="http://schemas.microsoft.com/office/powerpoint/2010/main" val="3758995429"/>
+              </p:ext>
+            </p:extLst>
+          </p:nvPr>
+        </p:nvGraphicFramePr>
+        <p:xfrm>
+          <a:off x="873760" y="1153161"/>
+          <a:ext cx="4572000" cy="2743200"/>
+        </p:xfrm>
+        <a:graphic>
+          <a:graphicData uri="http://schemas.openxmlformats.org/drawingml/2006/chart">
+            <c:chart xmlns:c="http://schemas.openxmlformats.org/drawingml/2006/chart" xmlns:r="http://schemas.openxmlformats.org/officeDocument/2006/relationships" r:id="rId5"/>
+          </a:graphicData>
+        </a:graphic>
+      </p:graphicFrame>
+    </p:spTree>
+    <p:extLst>
+      <p:ext uri="{BB962C8B-B14F-4D97-AF65-F5344CB8AC3E}">
+        <p14:creationId xmlns:p14="http://schemas.microsoft.com/office/powerpoint/2010/main" val="2627439376"/>
+      </p:ext>
+    </p:extLst>
+  </p:cSld>
+  <p:clrMapOvr>
+    <a:masterClrMapping/>
+  </p:clrMapOvr>
+</p:sld>
+</file>
+
+<file path=ppt/slides/slide4.xml><?xml version="1.0" encoding="utf-8"?>
 <p:sld xmlns:a="http://schemas.openxmlformats.org/drawingml/2006/main" xmlns:r="http://schemas.openxmlformats.org/officeDocument/2006/relationships" xmlns:p="http://schemas.openxmlformats.org/presentationml/2006/main">
   <p:cSld>
     <p:spTree>
@@ -7869,7 +11101,7 @@
         </p:blipFill>
         <p:spPr>
           <a:xfrm>
-            <a:off x="835320" y="666034"/>
+            <a:off x="835320" y="932734"/>
             <a:ext cx="1313986" cy="2618973"/>
           </a:xfrm>
           <a:prstGeom prst="rect">
@@ -7899,7 +11131,7 @@
         </p:blipFill>
         <p:spPr>
           <a:xfrm>
-            <a:off x="2330285" y="723834"/>
+            <a:off x="2339447" y="1107511"/>
             <a:ext cx="1313985" cy="2444196"/>
           </a:xfrm>
           <a:prstGeom prst="rect">
@@ -7929,7 +11161,7 @@
         </p:blipFill>
         <p:spPr>
           <a:xfrm>
-            <a:off x="6625637" y="4353917"/>
+            <a:off x="6526237" y="3868754"/>
             <a:ext cx="1948326" cy="1237258"/>
           </a:xfrm>
           <a:prstGeom prst="rect">
@@ -7959,7 +11191,7 @@
         </p:blipFill>
         <p:spPr>
           <a:xfrm>
-            <a:off x="9885997" y="4033669"/>
+            <a:off x="9885997" y="3808653"/>
             <a:ext cx="1942070" cy="1643290"/>
           </a:xfrm>
           <a:prstGeom prst="rect">
@@ -7989,7 +11221,7 @@
         </p:blipFill>
         <p:spPr>
           <a:xfrm>
-            <a:off x="4845536" y="4281260"/>
+            <a:off x="4747296" y="3891864"/>
             <a:ext cx="1638136" cy="1476869"/>
           </a:xfrm>
           <a:prstGeom prst="rect">
@@ -8019,7 +11251,7 @@
         </p:blipFill>
         <p:spPr>
           <a:xfrm>
-            <a:off x="896312" y="3838058"/>
+            <a:off x="753726" y="3764702"/>
             <a:ext cx="1593683" cy="2415688"/>
           </a:xfrm>
           <a:prstGeom prst="rect">
@@ -8049,7 +11281,7 @@
         </p:blipFill>
         <p:spPr>
           <a:xfrm>
-            <a:off x="9322329" y="570283"/>
+            <a:off x="9066712" y="714276"/>
             <a:ext cx="1571682" cy="2714724"/>
           </a:xfrm>
           <a:prstGeom prst="rect">
@@ -8079,7 +11311,7 @@
         </p:blipFill>
         <p:spPr>
           <a:xfrm>
-            <a:off x="2657374" y="4102228"/>
+            <a:off x="2489374" y="3845053"/>
             <a:ext cx="2068367" cy="1746122"/>
           </a:xfrm>
           <a:prstGeom prst="rect">
@@ -8109,7 +11341,7 @@
         </p:blipFill>
         <p:spPr>
           <a:xfrm>
-            <a:off x="8615369" y="4487383"/>
+            <a:off x="8565669" y="3894437"/>
             <a:ext cx="1229222" cy="735861"/>
           </a:xfrm>
           <a:prstGeom prst="rect">
@@ -8139,7 +11371,7 @@
         </p:blipFill>
         <p:spPr>
           <a:xfrm>
-            <a:off x="7410556" y="945636"/>
+            <a:off x="7229215" y="1593581"/>
             <a:ext cx="1653850" cy="1791671"/>
           </a:xfrm>
           <a:prstGeom prst="rect">
@@ -8169,7 +11401,7 @@
         </p:blipFill>
         <p:spPr>
           <a:xfrm>
-            <a:off x="5622731" y="843963"/>
+            <a:off x="5498783" y="1505880"/>
             <a:ext cx="1615513" cy="1967075"/>
           </a:xfrm>
           <a:prstGeom prst="rect">
@@ -8199,7 +11431,7 @@
         </p:blipFill>
         <p:spPr>
           <a:xfrm>
-            <a:off x="3825744" y="670276"/>
+            <a:off x="3768351" y="1099871"/>
             <a:ext cx="1615513" cy="2444196"/>
           </a:xfrm>
           <a:prstGeom prst="rect">
@@ -8220,7 +11452,7 @@
 </p:sld>
 </file>
 
-<file path=ppt/slides/slide4.xml><?xml version="1.0" encoding="utf-8"?>
+<file path=ppt/slides/slide5.xml><?xml version="1.0" encoding="utf-8"?>
 <p:sld xmlns:a="http://schemas.openxmlformats.org/drawingml/2006/main" xmlns:r="http://schemas.openxmlformats.org/officeDocument/2006/relationships" xmlns:p="http://schemas.openxmlformats.org/presentationml/2006/main">
   <p:cSld>
     <p:spTree>

--- a/Gestion de projet/Présentation semaine 3.pptx
+++ b/Gestion de projet/Présentation semaine 3.pptx
@@ -7,9 +7,10 @@
   <p:sldIdLst>
     <p:sldId id="256" r:id="rId5"/>
     <p:sldId id="259" r:id="rId6"/>
-    <p:sldId id="262" r:id="rId7"/>
-    <p:sldId id="261" r:id="rId8"/>
-    <p:sldId id="258" r:id="rId9"/>
+    <p:sldId id="261" r:id="rId7"/>
+    <p:sldId id="262" r:id="rId8"/>
+    <p:sldId id="263" r:id="rId9"/>
+    <p:sldId id="258" r:id="rId10"/>
   </p:sldIdLst>
   <p:sldSz cx="12192000" cy="6858000"/>
   <p:notesSz cx="6858000" cy="9144000"/>
@@ -10735,7 +10736,7 @@
         <p:spPr>
           <a:xfrm>
             <a:off x="1404938" y="2311398"/>
-            <a:ext cx="9382124" cy="3939540"/>
+            <a:ext cx="9382124" cy="3693319"/>
           </a:xfrm>
           <a:prstGeom prst="rect">
             <a:avLst/>
@@ -10800,7 +10801,7 @@
             </a:pPr>
             <a:r>
               <a:rPr lang="fr-FR" sz="1600" dirty="0"/>
-              <a:t>Elaboration de la stratégie de qualification des données. Génération de 2 CSV qui prend en compte d’un côté les pilotes et de l’autre les écuries</a:t>
+              <a:t>Elaboration de la stratégie de qualification des données. Génération de 6 CSV</a:t>
             </a:r>
           </a:p>
           <a:p>
@@ -10870,6 +10871,702 @@
 </file>
 
 <file path=ppt/slides/slide3.xml><?xml version="1.0" encoding="utf-8"?>
+<p:sld xmlns:a="http://schemas.openxmlformats.org/drawingml/2006/main" xmlns:r="http://schemas.openxmlformats.org/officeDocument/2006/relationships" xmlns:p="http://schemas.openxmlformats.org/presentationml/2006/main">
+  <p:cSld>
+    <p:spTree>
+      <p:nvGrpSpPr>
+        <p:cNvPr id="1" name=""/>
+        <p:cNvGrpSpPr/>
+        <p:nvPr/>
+      </p:nvGrpSpPr>
+      <p:grpSpPr>
+        <a:xfrm>
+          <a:off x="0" y="0"/>
+          <a:ext cx="0" cy="0"/>
+          <a:chOff x="0" y="0"/>
+          <a:chExt cx="0" cy="0"/>
+        </a:xfrm>
+      </p:grpSpPr>
+      <p:pic>
+        <p:nvPicPr>
+          <p:cNvPr id="4" name="Image 3">
+            <a:extLst>
+              <a:ext uri="{FF2B5EF4-FFF2-40B4-BE49-F238E27FC236}">
+                <a16:creationId xmlns:a16="http://schemas.microsoft.com/office/drawing/2014/main" id="{5654DD66-A7DF-4EB0-B4C4-B3131A34419A}"/>
+              </a:ext>
+            </a:extLst>
+          </p:cNvPr>
+          <p:cNvPicPr>
+            <a:picLocks noChangeAspect="1"/>
+          </p:cNvPicPr>
+          <p:nvPr/>
+        </p:nvPicPr>
+        <p:blipFill>
+          <a:blip r:embed="rId2"/>
+          <a:stretch>
+            <a:fillRect/>
+          </a:stretch>
+        </p:blipFill>
+        <p:spPr>
+          <a:xfrm>
+            <a:off x="835320" y="932734"/>
+            <a:ext cx="1313986" cy="2618973"/>
+          </a:xfrm>
+          <a:prstGeom prst="rect">
+            <a:avLst/>
+          </a:prstGeom>
+        </p:spPr>
+      </p:pic>
+      <p:pic>
+        <p:nvPicPr>
+          <p:cNvPr id="5" name="Image 4">
+            <a:extLst>
+              <a:ext uri="{FF2B5EF4-FFF2-40B4-BE49-F238E27FC236}">
+                <a16:creationId xmlns:a16="http://schemas.microsoft.com/office/drawing/2014/main" id="{9F29C6B9-F33C-4C8B-A620-62C2B240CC28}"/>
+              </a:ext>
+            </a:extLst>
+          </p:cNvPr>
+          <p:cNvPicPr>
+            <a:picLocks noChangeAspect="1"/>
+          </p:cNvPicPr>
+          <p:nvPr/>
+        </p:nvPicPr>
+        <p:blipFill>
+          <a:blip r:embed="rId3"/>
+          <a:stretch>
+            <a:fillRect/>
+          </a:stretch>
+        </p:blipFill>
+        <p:spPr>
+          <a:xfrm>
+            <a:off x="2145062" y="964607"/>
+            <a:ext cx="1313985" cy="2444196"/>
+          </a:xfrm>
+          <a:prstGeom prst="rect">
+            <a:avLst/>
+          </a:prstGeom>
+        </p:spPr>
+      </p:pic>
+      <p:pic>
+        <p:nvPicPr>
+          <p:cNvPr id="6" name="Image 5">
+            <a:extLst>
+              <a:ext uri="{FF2B5EF4-FFF2-40B4-BE49-F238E27FC236}">
+                <a16:creationId xmlns:a16="http://schemas.microsoft.com/office/drawing/2014/main" id="{6390F241-B56B-4577-84B8-56B49573D474}"/>
+              </a:ext>
+            </a:extLst>
+          </p:cNvPr>
+          <p:cNvPicPr>
+            <a:picLocks noChangeAspect="1"/>
+          </p:cNvPicPr>
+          <p:nvPr/>
+        </p:nvPicPr>
+        <p:blipFill>
+          <a:blip r:embed="rId4"/>
+          <a:stretch>
+            <a:fillRect/>
+          </a:stretch>
+        </p:blipFill>
+        <p:spPr>
+          <a:xfrm>
+            <a:off x="7282084" y="4679875"/>
+            <a:ext cx="1948326" cy="1237258"/>
+          </a:xfrm>
+          <a:prstGeom prst="rect">
+            <a:avLst/>
+          </a:prstGeom>
+        </p:spPr>
+      </p:pic>
+      <p:pic>
+        <p:nvPicPr>
+          <p:cNvPr id="7" name="Image 6">
+            <a:extLst>
+              <a:ext uri="{FF2B5EF4-FFF2-40B4-BE49-F238E27FC236}">
+                <a16:creationId xmlns:a16="http://schemas.microsoft.com/office/drawing/2014/main" id="{3398F092-E094-4CFE-AE5A-E6DC52D27213}"/>
+              </a:ext>
+            </a:extLst>
+          </p:cNvPr>
+          <p:cNvPicPr>
+            <a:picLocks noChangeAspect="1"/>
+          </p:cNvPicPr>
+          <p:nvPr/>
+        </p:nvPicPr>
+        <p:blipFill>
+          <a:blip r:embed="rId5"/>
+          <a:stretch>
+            <a:fillRect/>
+          </a:stretch>
+        </p:blipFill>
+        <p:spPr>
+          <a:xfrm>
+            <a:off x="9230410" y="4637763"/>
+            <a:ext cx="1942070" cy="1643290"/>
+          </a:xfrm>
+          <a:prstGeom prst="rect">
+            <a:avLst/>
+          </a:prstGeom>
+        </p:spPr>
+      </p:pic>
+      <p:pic>
+        <p:nvPicPr>
+          <p:cNvPr id="8" name="Image 7">
+            <a:extLst>
+              <a:ext uri="{FF2B5EF4-FFF2-40B4-BE49-F238E27FC236}">
+                <a16:creationId xmlns:a16="http://schemas.microsoft.com/office/drawing/2014/main" id="{A19F3181-33E7-461D-937D-92ED52BDC62F}"/>
+              </a:ext>
+            </a:extLst>
+          </p:cNvPr>
+          <p:cNvPicPr>
+            <a:picLocks noChangeAspect="1"/>
+          </p:cNvPicPr>
+          <p:nvPr/>
+        </p:nvPicPr>
+        <p:blipFill>
+          <a:blip r:embed="rId6"/>
+          <a:stretch>
+            <a:fillRect/>
+          </a:stretch>
+        </p:blipFill>
+        <p:spPr>
+          <a:xfrm>
+            <a:off x="5643948" y="4679875"/>
+            <a:ext cx="1638136" cy="1476869"/>
+          </a:xfrm>
+          <a:prstGeom prst="rect">
+            <a:avLst/>
+          </a:prstGeom>
+        </p:spPr>
+      </p:pic>
+      <p:pic>
+        <p:nvPicPr>
+          <p:cNvPr id="9" name="Image 8">
+            <a:extLst>
+              <a:ext uri="{FF2B5EF4-FFF2-40B4-BE49-F238E27FC236}">
+                <a16:creationId xmlns:a16="http://schemas.microsoft.com/office/drawing/2014/main" id="{A921BF9A-2BFF-4ACC-93E1-5A3DC980FD13}"/>
+              </a:ext>
+            </a:extLst>
+          </p:cNvPr>
+          <p:cNvPicPr>
+            <a:picLocks noChangeAspect="1"/>
+          </p:cNvPicPr>
+          <p:nvPr/>
+        </p:nvPicPr>
+        <p:blipFill>
+          <a:blip r:embed="rId7"/>
+          <a:stretch>
+            <a:fillRect/>
+          </a:stretch>
+        </p:blipFill>
+        <p:spPr>
+          <a:xfrm>
+            <a:off x="695471" y="4315955"/>
+            <a:ext cx="1593683" cy="2415688"/>
+          </a:xfrm>
+          <a:prstGeom prst="rect">
+            <a:avLst/>
+          </a:prstGeom>
+        </p:spPr>
+      </p:pic>
+      <p:pic>
+        <p:nvPicPr>
+          <p:cNvPr id="10" name="Image 9">
+            <a:extLst>
+              <a:ext uri="{FF2B5EF4-FFF2-40B4-BE49-F238E27FC236}">
+                <a16:creationId xmlns:a16="http://schemas.microsoft.com/office/drawing/2014/main" id="{F48F4B06-2D4F-486C-8887-BC2BAAC0A0FB}"/>
+              </a:ext>
+            </a:extLst>
+          </p:cNvPr>
+          <p:cNvPicPr>
+            <a:picLocks noChangeAspect="1"/>
+          </p:cNvPicPr>
+          <p:nvPr/>
+        </p:nvPicPr>
+        <p:blipFill>
+          <a:blip r:embed="rId8"/>
+          <a:stretch>
+            <a:fillRect/>
+          </a:stretch>
+        </p:blipFill>
+        <p:spPr>
+          <a:xfrm>
+            <a:off x="3459047" y="964607"/>
+            <a:ext cx="1571682" cy="2714724"/>
+          </a:xfrm>
+          <a:prstGeom prst="rect">
+            <a:avLst/>
+          </a:prstGeom>
+        </p:spPr>
+      </p:pic>
+      <p:pic>
+        <p:nvPicPr>
+          <p:cNvPr id="11" name="Image 10">
+            <a:extLst>
+              <a:ext uri="{FF2B5EF4-FFF2-40B4-BE49-F238E27FC236}">
+                <a16:creationId xmlns:a16="http://schemas.microsoft.com/office/drawing/2014/main" id="{9A6822B0-5740-4BA9-9A91-D797996D2C9E}"/>
+              </a:ext>
+            </a:extLst>
+          </p:cNvPr>
+          <p:cNvPicPr>
+            <a:picLocks noChangeAspect="1"/>
+          </p:cNvPicPr>
+          <p:nvPr/>
+        </p:nvPicPr>
+        <p:blipFill>
+          <a:blip r:embed="rId9"/>
+          <a:stretch>
+            <a:fillRect/>
+          </a:stretch>
+        </p:blipFill>
+        <p:spPr>
+          <a:xfrm>
+            <a:off x="2308126" y="4679875"/>
+            <a:ext cx="2068367" cy="1746122"/>
+          </a:xfrm>
+          <a:prstGeom prst="rect">
+            <a:avLst/>
+          </a:prstGeom>
+        </p:spPr>
+      </p:pic>
+      <p:pic>
+        <p:nvPicPr>
+          <p:cNvPr id="12" name="Image 11">
+            <a:extLst>
+              <a:ext uri="{FF2B5EF4-FFF2-40B4-BE49-F238E27FC236}">
+                <a16:creationId xmlns:a16="http://schemas.microsoft.com/office/drawing/2014/main" id="{462833A1-7EEA-416C-B92F-FDF932342019}"/>
+              </a:ext>
+            </a:extLst>
+          </p:cNvPr>
+          <p:cNvPicPr>
+            <a:picLocks noChangeAspect="1"/>
+          </p:cNvPicPr>
+          <p:nvPr/>
+        </p:nvPicPr>
+        <p:blipFill>
+          <a:blip r:embed="rId10"/>
+          <a:stretch>
+            <a:fillRect/>
+          </a:stretch>
+        </p:blipFill>
+        <p:spPr>
+          <a:xfrm>
+            <a:off x="5061803" y="932734"/>
+            <a:ext cx="1229222" cy="735861"/>
+          </a:xfrm>
+          <a:prstGeom prst="rect">
+            <a:avLst/>
+          </a:prstGeom>
+        </p:spPr>
+      </p:pic>
+      <p:pic>
+        <p:nvPicPr>
+          <p:cNvPr id="13" name="Image 12">
+            <a:extLst>
+              <a:ext uri="{FF2B5EF4-FFF2-40B4-BE49-F238E27FC236}">
+                <a16:creationId xmlns:a16="http://schemas.microsoft.com/office/drawing/2014/main" id="{7497A41B-EC0F-45AE-BA26-6E9E1F469664}"/>
+              </a:ext>
+            </a:extLst>
+          </p:cNvPr>
+          <p:cNvPicPr>
+            <a:picLocks noChangeAspect="1"/>
+          </p:cNvPicPr>
+          <p:nvPr/>
+        </p:nvPicPr>
+        <p:blipFill>
+          <a:blip r:embed="rId11"/>
+          <a:stretch>
+            <a:fillRect/>
+          </a:stretch>
+        </p:blipFill>
+        <p:spPr>
+          <a:xfrm>
+            <a:off x="8165851" y="576947"/>
+            <a:ext cx="1653850" cy="1791671"/>
+          </a:xfrm>
+          <a:prstGeom prst="rect">
+            <a:avLst/>
+          </a:prstGeom>
+        </p:spPr>
+      </p:pic>
+      <p:pic>
+        <p:nvPicPr>
+          <p:cNvPr id="14" name="Image 13">
+            <a:extLst>
+              <a:ext uri="{FF2B5EF4-FFF2-40B4-BE49-F238E27FC236}">
+                <a16:creationId xmlns:a16="http://schemas.microsoft.com/office/drawing/2014/main" id="{FF54575D-77B8-4E66-A99E-DDB623FB966F}"/>
+              </a:ext>
+            </a:extLst>
+          </p:cNvPr>
+          <p:cNvPicPr>
+            <a:picLocks noChangeAspect="1"/>
+          </p:cNvPicPr>
+          <p:nvPr/>
+        </p:nvPicPr>
+        <p:blipFill>
+          <a:blip r:embed="rId12"/>
+          <a:stretch>
+            <a:fillRect/>
+          </a:stretch>
+        </p:blipFill>
+        <p:spPr>
+          <a:xfrm>
+            <a:off x="6359134" y="1778005"/>
+            <a:ext cx="1615513" cy="1967075"/>
+          </a:xfrm>
+          <a:prstGeom prst="rect">
+            <a:avLst/>
+          </a:prstGeom>
+        </p:spPr>
+      </p:pic>
+      <p:pic>
+        <p:nvPicPr>
+          <p:cNvPr id="15" name="Image 14">
+            <a:extLst>
+              <a:ext uri="{FF2B5EF4-FFF2-40B4-BE49-F238E27FC236}">
+                <a16:creationId xmlns:a16="http://schemas.microsoft.com/office/drawing/2014/main" id="{7155ACE1-83FB-4D92-B283-14E492DA0B89}"/>
+              </a:ext>
+            </a:extLst>
+          </p:cNvPr>
+          <p:cNvPicPr>
+            <a:picLocks noChangeAspect="1"/>
+          </p:cNvPicPr>
+          <p:nvPr/>
+        </p:nvPicPr>
+        <p:blipFill>
+          <a:blip r:embed="rId13"/>
+          <a:stretch>
+            <a:fillRect/>
+          </a:stretch>
+        </p:blipFill>
+        <p:spPr>
+          <a:xfrm>
+            <a:off x="10187474" y="1363984"/>
+            <a:ext cx="1615513" cy="2444196"/>
+          </a:xfrm>
+          <a:prstGeom prst="rect">
+            <a:avLst/>
+          </a:prstGeom>
+        </p:spPr>
+      </p:pic>
+      <p:sp>
+        <p:nvSpPr>
+          <p:cNvPr id="2" name="Ellipse 1">
+            <a:extLst>
+              <a:ext uri="{FF2B5EF4-FFF2-40B4-BE49-F238E27FC236}">
+                <a16:creationId xmlns:a16="http://schemas.microsoft.com/office/drawing/2014/main" id="{3BC97E69-7C50-498C-B888-16423296FF9B}"/>
+              </a:ext>
+            </a:extLst>
+          </p:cNvPr>
+          <p:cNvSpPr/>
+          <p:nvPr/>
+        </p:nvSpPr>
+        <p:spPr>
+          <a:xfrm>
+            <a:off x="533400" y="304801"/>
+            <a:ext cx="5562600" cy="3440280"/>
+          </a:xfrm>
+          <a:prstGeom prst="ellipse">
+            <a:avLst/>
+          </a:prstGeom>
+          <a:solidFill>
+            <a:srgbClr val="3FB96C">
+              <a:alpha val="40000"/>
+            </a:srgbClr>
+          </a:solidFill>
+        </p:spPr>
+        <p:style>
+          <a:lnRef idx="2">
+            <a:schemeClr val="accent1">
+              <a:shade val="50000"/>
+            </a:schemeClr>
+          </a:lnRef>
+          <a:fillRef idx="1">
+            <a:schemeClr val="accent1"/>
+          </a:fillRef>
+          <a:effectRef idx="0">
+            <a:schemeClr val="accent1"/>
+          </a:effectRef>
+          <a:fontRef idx="minor">
+            <a:schemeClr val="lt1"/>
+          </a:fontRef>
+        </p:style>
+        <p:txBody>
+          <a:bodyPr rtlCol="0" anchor="ctr"/>
+          <a:lstStyle/>
+          <a:p>
+            <a:pPr algn="ctr"/>
+            <a:endParaRPr lang="fr-FR"/>
+          </a:p>
+        </p:txBody>
+      </p:sp>
+      <p:sp>
+        <p:nvSpPr>
+          <p:cNvPr id="3" name="Ellipse 2">
+            <a:extLst>
+              <a:ext uri="{FF2B5EF4-FFF2-40B4-BE49-F238E27FC236}">
+                <a16:creationId xmlns:a16="http://schemas.microsoft.com/office/drawing/2014/main" id="{8D99DE89-686C-4AFA-9B9B-9D267982A14A}"/>
+              </a:ext>
+            </a:extLst>
+          </p:cNvPr>
+          <p:cNvSpPr/>
+          <p:nvPr/>
+        </p:nvSpPr>
+        <p:spPr>
+          <a:xfrm>
+            <a:off x="5903399" y="4098745"/>
+            <a:ext cx="4705695" cy="2718623"/>
+          </a:xfrm>
+          <a:prstGeom prst="ellipse">
+            <a:avLst/>
+          </a:prstGeom>
+          <a:solidFill>
+            <a:srgbClr val="3FB96C">
+              <a:alpha val="40000"/>
+            </a:srgbClr>
+          </a:solidFill>
+        </p:spPr>
+        <p:style>
+          <a:lnRef idx="2">
+            <a:schemeClr val="accent1">
+              <a:shade val="50000"/>
+            </a:schemeClr>
+          </a:lnRef>
+          <a:fillRef idx="1">
+            <a:schemeClr val="accent1"/>
+          </a:fillRef>
+          <a:effectRef idx="0">
+            <a:schemeClr val="accent1"/>
+          </a:effectRef>
+          <a:fontRef idx="minor">
+            <a:schemeClr val="lt1"/>
+          </a:fontRef>
+        </p:style>
+        <p:txBody>
+          <a:bodyPr rtlCol="0" anchor="ctr"/>
+          <a:lstStyle/>
+          <a:p>
+            <a:pPr algn="ctr"/>
+            <a:endParaRPr lang="fr-FR"/>
+          </a:p>
+        </p:txBody>
+      </p:sp>
+      <p:sp>
+        <p:nvSpPr>
+          <p:cNvPr id="18" name="Ellipse 17">
+            <a:extLst>
+              <a:ext uri="{FF2B5EF4-FFF2-40B4-BE49-F238E27FC236}">
+                <a16:creationId xmlns:a16="http://schemas.microsoft.com/office/drawing/2014/main" id="{E9288074-22F8-4B08-A230-C38DF577F294}"/>
+              </a:ext>
+            </a:extLst>
+          </p:cNvPr>
+          <p:cNvSpPr/>
+          <p:nvPr/>
+        </p:nvSpPr>
+        <p:spPr>
+          <a:xfrm>
+            <a:off x="452747" y="4541650"/>
+            <a:ext cx="4071968" cy="1986074"/>
+          </a:xfrm>
+          <a:prstGeom prst="ellipse">
+            <a:avLst/>
+          </a:prstGeom>
+          <a:solidFill>
+            <a:srgbClr val="3FB96C">
+              <a:alpha val="40000"/>
+            </a:srgbClr>
+          </a:solidFill>
+        </p:spPr>
+        <p:style>
+          <a:lnRef idx="2">
+            <a:schemeClr val="accent1">
+              <a:shade val="50000"/>
+            </a:schemeClr>
+          </a:lnRef>
+          <a:fillRef idx="1">
+            <a:schemeClr val="accent1"/>
+          </a:fillRef>
+          <a:effectRef idx="0">
+            <a:schemeClr val="accent1"/>
+          </a:effectRef>
+          <a:fontRef idx="minor">
+            <a:schemeClr val="lt1"/>
+          </a:fontRef>
+        </p:style>
+        <p:txBody>
+          <a:bodyPr rtlCol="0" anchor="ctr"/>
+          <a:lstStyle/>
+          <a:p>
+            <a:pPr algn="ctr"/>
+            <a:endParaRPr lang="fr-FR"/>
+          </a:p>
+        </p:txBody>
+      </p:sp>
+      <p:sp>
+        <p:nvSpPr>
+          <p:cNvPr id="20" name="Ellipse 19">
+            <a:extLst>
+              <a:ext uri="{FF2B5EF4-FFF2-40B4-BE49-F238E27FC236}">
+                <a16:creationId xmlns:a16="http://schemas.microsoft.com/office/drawing/2014/main" id="{5C24611F-A941-4E67-B685-23B326FCCCEC}"/>
+              </a:ext>
+            </a:extLst>
+          </p:cNvPr>
+          <p:cNvSpPr/>
+          <p:nvPr/>
+        </p:nvSpPr>
+        <p:spPr>
+          <a:xfrm>
+            <a:off x="6008143" y="2206475"/>
+            <a:ext cx="2157708" cy="1601705"/>
+          </a:xfrm>
+          <a:prstGeom prst="ellipse">
+            <a:avLst/>
+          </a:prstGeom>
+          <a:solidFill>
+            <a:srgbClr val="3FB96C">
+              <a:alpha val="40000"/>
+            </a:srgbClr>
+          </a:solidFill>
+        </p:spPr>
+        <p:style>
+          <a:lnRef idx="2">
+            <a:schemeClr val="accent1">
+              <a:shade val="50000"/>
+            </a:schemeClr>
+          </a:lnRef>
+          <a:fillRef idx="1">
+            <a:schemeClr val="accent1"/>
+          </a:fillRef>
+          <a:effectRef idx="0">
+            <a:schemeClr val="accent1"/>
+          </a:effectRef>
+          <a:fontRef idx="minor">
+            <a:schemeClr val="lt1"/>
+          </a:fontRef>
+        </p:style>
+        <p:txBody>
+          <a:bodyPr rtlCol="0" anchor="ctr"/>
+          <a:lstStyle/>
+          <a:p>
+            <a:pPr algn="ctr"/>
+            <a:endParaRPr lang="fr-FR"/>
+          </a:p>
+        </p:txBody>
+      </p:sp>
+      <p:sp>
+        <p:nvSpPr>
+          <p:cNvPr id="22" name="Ellipse 21">
+            <a:extLst>
+              <a:ext uri="{FF2B5EF4-FFF2-40B4-BE49-F238E27FC236}">
+                <a16:creationId xmlns:a16="http://schemas.microsoft.com/office/drawing/2014/main" id="{7EBD0064-0F42-4896-B5C9-A75B5103F8BF}"/>
+              </a:ext>
+            </a:extLst>
+          </p:cNvPr>
+          <p:cNvSpPr/>
+          <p:nvPr/>
+        </p:nvSpPr>
+        <p:spPr>
+          <a:xfrm>
+            <a:off x="7953998" y="640515"/>
+            <a:ext cx="2157708" cy="1601705"/>
+          </a:xfrm>
+          <a:prstGeom prst="ellipse">
+            <a:avLst/>
+          </a:prstGeom>
+          <a:solidFill>
+            <a:srgbClr val="3FB96C">
+              <a:alpha val="40000"/>
+            </a:srgbClr>
+          </a:solidFill>
+        </p:spPr>
+        <p:style>
+          <a:lnRef idx="2">
+            <a:schemeClr val="accent1">
+              <a:shade val="50000"/>
+            </a:schemeClr>
+          </a:lnRef>
+          <a:fillRef idx="1">
+            <a:schemeClr val="accent1"/>
+          </a:fillRef>
+          <a:effectRef idx="0">
+            <a:schemeClr val="accent1"/>
+          </a:effectRef>
+          <a:fontRef idx="minor">
+            <a:schemeClr val="lt1"/>
+          </a:fontRef>
+        </p:style>
+        <p:txBody>
+          <a:bodyPr rtlCol="0" anchor="ctr"/>
+          <a:lstStyle/>
+          <a:p>
+            <a:pPr algn="ctr"/>
+            <a:endParaRPr lang="fr-FR"/>
+          </a:p>
+        </p:txBody>
+      </p:sp>
+      <p:sp>
+        <p:nvSpPr>
+          <p:cNvPr id="24" name="Ellipse 23">
+            <a:extLst>
+              <a:ext uri="{FF2B5EF4-FFF2-40B4-BE49-F238E27FC236}">
+                <a16:creationId xmlns:a16="http://schemas.microsoft.com/office/drawing/2014/main" id="{2C2AA8D2-1D07-492C-A263-41FA3905081A}"/>
+              </a:ext>
+            </a:extLst>
+          </p:cNvPr>
+          <p:cNvSpPr/>
+          <p:nvPr/>
+        </p:nvSpPr>
+        <p:spPr>
+          <a:xfrm>
+            <a:off x="9828824" y="2173235"/>
+            <a:ext cx="2157708" cy="1601705"/>
+          </a:xfrm>
+          <a:prstGeom prst="ellipse">
+            <a:avLst/>
+          </a:prstGeom>
+          <a:solidFill>
+            <a:srgbClr val="3FB96C">
+              <a:alpha val="40000"/>
+            </a:srgbClr>
+          </a:solidFill>
+        </p:spPr>
+        <p:style>
+          <a:lnRef idx="2">
+            <a:schemeClr val="accent1">
+              <a:shade val="50000"/>
+            </a:schemeClr>
+          </a:lnRef>
+          <a:fillRef idx="1">
+            <a:schemeClr val="accent1"/>
+          </a:fillRef>
+          <a:effectRef idx="0">
+            <a:schemeClr val="accent1"/>
+          </a:effectRef>
+          <a:fontRef idx="minor">
+            <a:schemeClr val="lt1"/>
+          </a:fontRef>
+        </p:style>
+        <p:txBody>
+          <a:bodyPr rtlCol="0" anchor="ctr"/>
+          <a:lstStyle/>
+          <a:p>
+            <a:pPr algn="ctr"/>
+            <a:endParaRPr lang="fr-FR"/>
+          </a:p>
+        </p:txBody>
+      </p:sp>
+    </p:spTree>
+    <p:extLst>
+      <p:ext uri="{BB962C8B-B14F-4D97-AF65-F5344CB8AC3E}">
+        <p14:creationId xmlns:p14="http://schemas.microsoft.com/office/powerpoint/2010/main" val="1276586304"/>
+      </p:ext>
+    </p:extLst>
+  </p:cSld>
+  <p:clrMapOvr>
+    <a:masterClrMapping/>
+  </p:clrMapOvr>
+</p:sld>
+</file>
+
+<file path=ppt/slides/slide4.xml><?xml version="1.0" encoding="utf-8"?>
 <p:sld xmlns:a="http://schemas.openxmlformats.org/drawingml/2006/main" xmlns:r="http://schemas.openxmlformats.org/officeDocument/2006/relationships" xmlns:p="http://schemas.openxmlformats.org/presentationml/2006/main">
   <p:cSld>
     <p:spTree>
@@ -11062,7 +11759,7 @@
 </p:sld>
 </file>
 
-<file path=ppt/slides/slide4.xml><?xml version="1.0" encoding="utf-8"?>
+<file path=ppt/slides/slide5.xml><?xml version="1.0" encoding="utf-8"?>
 <p:sld xmlns:a="http://schemas.openxmlformats.org/drawingml/2006/main" xmlns:r="http://schemas.openxmlformats.org/officeDocument/2006/relationships" xmlns:p="http://schemas.openxmlformats.org/presentationml/2006/main">
   <p:cSld>
     <p:spTree>
@@ -11079,370 +11776,43 @@
           <a:chExt cx="0" cy="0"/>
         </a:xfrm>
       </p:grpSpPr>
-      <p:pic>
-        <p:nvPicPr>
-          <p:cNvPr id="4" name="Image 3">
+      <p:sp>
+        <p:nvSpPr>
+          <p:cNvPr id="2" name="Titre 1">
             <a:extLst>
               <a:ext uri="{FF2B5EF4-FFF2-40B4-BE49-F238E27FC236}">
-                <a16:creationId xmlns:a16="http://schemas.microsoft.com/office/drawing/2014/main" id="{5654DD66-A7DF-4EB0-B4C4-B3131A34419A}"/>
+                <a16:creationId xmlns:a16="http://schemas.microsoft.com/office/drawing/2014/main" id="{8F34A48A-531A-4041-A230-2221D5543B71}"/>
               </a:ext>
             </a:extLst>
           </p:cNvPr>
-          <p:cNvPicPr>
-            <a:picLocks noChangeAspect="1"/>
-          </p:cNvPicPr>
-          <p:nvPr/>
-        </p:nvPicPr>
-        <p:blipFill>
-          <a:blip r:embed="rId2"/>
-          <a:stretch>
-            <a:fillRect/>
-          </a:stretch>
-        </p:blipFill>
+          <p:cNvSpPr>
+            <a:spLocks noGrp="1"/>
+          </p:cNvSpPr>
+          <p:nvPr>
+            <p:ph type="title"/>
+          </p:nvPr>
+        </p:nvSpPr>
         <p:spPr>
           <a:xfrm>
-            <a:off x="835320" y="932734"/>
-            <a:ext cx="1313986" cy="2618973"/>
+            <a:off x="3519487" y="3005137"/>
+            <a:ext cx="5153025" cy="847725"/>
           </a:xfrm>
-          <a:prstGeom prst="rect">
-            <a:avLst/>
-          </a:prstGeom>
         </p:spPr>
-      </p:pic>
-      <p:pic>
-        <p:nvPicPr>
-          <p:cNvPr id="5" name="Image 4">
-            <a:extLst>
-              <a:ext uri="{FF2B5EF4-FFF2-40B4-BE49-F238E27FC236}">
-                <a16:creationId xmlns:a16="http://schemas.microsoft.com/office/drawing/2014/main" id="{9F29C6B9-F33C-4C8B-A620-62C2B240CC28}"/>
-              </a:ext>
-            </a:extLst>
-          </p:cNvPr>
-          <p:cNvPicPr>
-            <a:picLocks noChangeAspect="1"/>
-          </p:cNvPicPr>
-          <p:nvPr/>
-        </p:nvPicPr>
-        <p:blipFill>
-          <a:blip r:embed="rId3"/>
-          <a:stretch>
-            <a:fillRect/>
-          </a:stretch>
-        </p:blipFill>
-        <p:spPr>
-          <a:xfrm>
-            <a:off x="2339447" y="1107511"/>
-            <a:ext cx="1313985" cy="2444196"/>
-          </a:xfrm>
-          <a:prstGeom prst="rect">
-            <a:avLst/>
-          </a:prstGeom>
-        </p:spPr>
-      </p:pic>
-      <p:pic>
-        <p:nvPicPr>
-          <p:cNvPr id="6" name="Image 5">
-            <a:extLst>
-              <a:ext uri="{FF2B5EF4-FFF2-40B4-BE49-F238E27FC236}">
-                <a16:creationId xmlns:a16="http://schemas.microsoft.com/office/drawing/2014/main" id="{6390F241-B56B-4577-84B8-56B49573D474}"/>
-              </a:ext>
-            </a:extLst>
-          </p:cNvPr>
-          <p:cNvPicPr>
-            <a:picLocks noChangeAspect="1"/>
-          </p:cNvPicPr>
-          <p:nvPr/>
-        </p:nvPicPr>
-        <p:blipFill>
-          <a:blip r:embed="rId4"/>
-          <a:stretch>
-            <a:fillRect/>
-          </a:stretch>
-        </p:blipFill>
-        <p:spPr>
-          <a:xfrm>
-            <a:off x="6526237" y="3868754"/>
-            <a:ext cx="1948326" cy="1237258"/>
-          </a:xfrm>
-          <a:prstGeom prst="rect">
-            <a:avLst/>
-          </a:prstGeom>
-        </p:spPr>
-      </p:pic>
-      <p:pic>
-        <p:nvPicPr>
-          <p:cNvPr id="7" name="Image 6">
-            <a:extLst>
-              <a:ext uri="{FF2B5EF4-FFF2-40B4-BE49-F238E27FC236}">
-                <a16:creationId xmlns:a16="http://schemas.microsoft.com/office/drawing/2014/main" id="{3398F092-E094-4CFE-AE5A-E6DC52D27213}"/>
-              </a:ext>
-            </a:extLst>
-          </p:cNvPr>
-          <p:cNvPicPr>
-            <a:picLocks noChangeAspect="1"/>
-          </p:cNvPicPr>
-          <p:nvPr/>
-        </p:nvPicPr>
-        <p:blipFill>
-          <a:blip r:embed="rId5"/>
-          <a:stretch>
-            <a:fillRect/>
-          </a:stretch>
-        </p:blipFill>
-        <p:spPr>
-          <a:xfrm>
-            <a:off x="9885997" y="3808653"/>
-            <a:ext cx="1942070" cy="1643290"/>
-          </a:xfrm>
-          <a:prstGeom prst="rect">
-            <a:avLst/>
-          </a:prstGeom>
-        </p:spPr>
-      </p:pic>
-      <p:pic>
-        <p:nvPicPr>
-          <p:cNvPr id="8" name="Image 7">
-            <a:extLst>
-              <a:ext uri="{FF2B5EF4-FFF2-40B4-BE49-F238E27FC236}">
-                <a16:creationId xmlns:a16="http://schemas.microsoft.com/office/drawing/2014/main" id="{A19F3181-33E7-461D-937D-92ED52BDC62F}"/>
-              </a:ext>
-            </a:extLst>
-          </p:cNvPr>
-          <p:cNvPicPr>
-            <a:picLocks noChangeAspect="1"/>
-          </p:cNvPicPr>
-          <p:nvPr/>
-        </p:nvPicPr>
-        <p:blipFill>
-          <a:blip r:embed="rId6"/>
-          <a:stretch>
-            <a:fillRect/>
-          </a:stretch>
-        </p:blipFill>
-        <p:spPr>
-          <a:xfrm>
-            <a:off x="4747296" y="3891864"/>
-            <a:ext cx="1638136" cy="1476869"/>
-          </a:xfrm>
-          <a:prstGeom prst="rect">
-            <a:avLst/>
-          </a:prstGeom>
-        </p:spPr>
-      </p:pic>
-      <p:pic>
-        <p:nvPicPr>
-          <p:cNvPr id="9" name="Image 8">
-            <a:extLst>
-              <a:ext uri="{FF2B5EF4-FFF2-40B4-BE49-F238E27FC236}">
-                <a16:creationId xmlns:a16="http://schemas.microsoft.com/office/drawing/2014/main" id="{A921BF9A-2BFF-4ACC-93E1-5A3DC980FD13}"/>
-              </a:ext>
-            </a:extLst>
-          </p:cNvPr>
-          <p:cNvPicPr>
-            <a:picLocks noChangeAspect="1"/>
-          </p:cNvPicPr>
-          <p:nvPr/>
-        </p:nvPicPr>
-        <p:blipFill>
-          <a:blip r:embed="rId7"/>
-          <a:stretch>
-            <a:fillRect/>
-          </a:stretch>
-        </p:blipFill>
-        <p:spPr>
-          <a:xfrm>
-            <a:off x="753726" y="3764702"/>
-            <a:ext cx="1593683" cy="2415688"/>
-          </a:xfrm>
-          <a:prstGeom prst="rect">
-            <a:avLst/>
-          </a:prstGeom>
-        </p:spPr>
-      </p:pic>
-      <p:pic>
-        <p:nvPicPr>
-          <p:cNvPr id="10" name="Image 9">
-            <a:extLst>
-              <a:ext uri="{FF2B5EF4-FFF2-40B4-BE49-F238E27FC236}">
-                <a16:creationId xmlns:a16="http://schemas.microsoft.com/office/drawing/2014/main" id="{F48F4B06-2D4F-486C-8887-BC2BAAC0A0FB}"/>
-              </a:ext>
-            </a:extLst>
-          </p:cNvPr>
-          <p:cNvPicPr>
-            <a:picLocks noChangeAspect="1"/>
-          </p:cNvPicPr>
-          <p:nvPr/>
-        </p:nvPicPr>
-        <p:blipFill>
-          <a:blip r:embed="rId8"/>
-          <a:stretch>
-            <a:fillRect/>
-          </a:stretch>
-        </p:blipFill>
-        <p:spPr>
-          <a:xfrm>
-            <a:off x="9066712" y="714276"/>
-            <a:ext cx="1571682" cy="2714724"/>
-          </a:xfrm>
-          <a:prstGeom prst="rect">
-            <a:avLst/>
-          </a:prstGeom>
-        </p:spPr>
-      </p:pic>
-      <p:pic>
-        <p:nvPicPr>
-          <p:cNvPr id="11" name="Image 10">
-            <a:extLst>
-              <a:ext uri="{FF2B5EF4-FFF2-40B4-BE49-F238E27FC236}">
-                <a16:creationId xmlns:a16="http://schemas.microsoft.com/office/drawing/2014/main" id="{9A6822B0-5740-4BA9-9A91-D797996D2C9E}"/>
-              </a:ext>
-            </a:extLst>
-          </p:cNvPr>
-          <p:cNvPicPr>
-            <a:picLocks noChangeAspect="1"/>
-          </p:cNvPicPr>
-          <p:nvPr/>
-        </p:nvPicPr>
-        <p:blipFill>
-          <a:blip r:embed="rId9"/>
-          <a:stretch>
-            <a:fillRect/>
-          </a:stretch>
-        </p:blipFill>
-        <p:spPr>
-          <a:xfrm>
-            <a:off x="2489374" y="3845053"/>
-            <a:ext cx="2068367" cy="1746122"/>
-          </a:xfrm>
-          <a:prstGeom prst="rect">
-            <a:avLst/>
-          </a:prstGeom>
-        </p:spPr>
-      </p:pic>
-      <p:pic>
-        <p:nvPicPr>
-          <p:cNvPr id="12" name="Image 11">
-            <a:extLst>
-              <a:ext uri="{FF2B5EF4-FFF2-40B4-BE49-F238E27FC236}">
-                <a16:creationId xmlns:a16="http://schemas.microsoft.com/office/drawing/2014/main" id="{462833A1-7EEA-416C-B92F-FDF932342019}"/>
-              </a:ext>
-            </a:extLst>
-          </p:cNvPr>
-          <p:cNvPicPr>
-            <a:picLocks noChangeAspect="1"/>
-          </p:cNvPicPr>
-          <p:nvPr/>
-        </p:nvPicPr>
-        <p:blipFill>
-          <a:blip r:embed="rId10"/>
-          <a:stretch>
-            <a:fillRect/>
-          </a:stretch>
-        </p:blipFill>
-        <p:spPr>
-          <a:xfrm>
-            <a:off x="8565669" y="3894437"/>
-            <a:ext cx="1229222" cy="735861"/>
-          </a:xfrm>
-          <a:prstGeom prst="rect">
-            <a:avLst/>
-          </a:prstGeom>
-        </p:spPr>
-      </p:pic>
-      <p:pic>
-        <p:nvPicPr>
-          <p:cNvPr id="13" name="Image 12">
-            <a:extLst>
-              <a:ext uri="{FF2B5EF4-FFF2-40B4-BE49-F238E27FC236}">
-                <a16:creationId xmlns:a16="http://schemas.microsoft.com/office/drawing/2014/main" id="{7497A41B-EC0F-45AE-BA26-6E9E1F469664}"/>
-              </a:ext>
-            </a:extLst>
-          </p:cNvPr>
-          <p:cNvPicPr>
-            <a:picLocks noChangeAspect="1"/>
-          </p:cNvPicPr>
-          <p:nvPr/>
-        </p:nvPicPr>
-        <p:blipFill>
-          <a:blip r:embed="rId11"/>
-          <a:stretch>
-            <a:fillRect/>
-          </a:stretch>
-        </p:blipFill>
-        <p:spPr>
-          <a:xfrm>
-            <a:off x="7229215" y="1593581"/>
-            <a:ext cx="1653850" cy="1791671"/>
-          </a:xfrm>
-          <a:prstGeom prst="rect">
-            <a:avLst/>
-          </a:prstGeom>
-        </p:spPr>
-      </p:pic>
-      <p:pic>
-        <p:nvPicPr>
-          <p:cNvPr id="14" name="Image 13">
-            <a:extLst>
-              <a:ext uri="{FF2B5EF4-FFF2-40B4-BE49-F238E27FC236}">
-                <a16:creationId xmlns:a16="http://schemas.microsoft.com/office/drawing/2014/main" id="{FF54575D-77B8-4E66-A99E-DDB623FB966F}"/>
-              </a:ext>
-            </a:extLst>
-          </p:cNvPr>
-          <p:cNvPicPr>
-            <a:picLocks noChangeAspect="1"/>
-          </p:cNvPicPr>
-          <p:nvPr/>
-        </p:nvPicPr>
-        <p:blipFill>
-          <a:blip r:embed="rId12"/>
-          <a:stretch>
-            <a:fillRect/>
-          </a:stretch>
-        </p:blipFill>
-        <p:spPr>
-          <a:xfrm>
-            <a:off x="5498783" y="1505880"/>
-            <a:ext cx="1615513" cy="1967075"/>
-          </a:xfrm>
-          <a:prstGeom prst="rect">
-            <a:avLst/>
-          </a:prstGeom>
-        </p:spPr>
-      </p:pic>
-      <p:pic>
-        <p:nvPicPr>
-          <p:cNvPr id="15" name="Image 14">
-            <a:extLst>
-              <a:ext uri="{FF2B5EF4-FFF2-40B4-BE49-F238E27FC236}">
-                <a16:creationId xmlns:a16="http://schemas.microsoft.com/office/drawing/2014/main" id="{7155ACE1-83FB-4D92-B283-14E492DA0B89}"/>
-              </a:ext>
-            </a:extLst>
-          </p:cNvPr>
-          <p:cNvPicPr>
-            <a:picLocks noChangeAspect="1"/>
-          </p:cNvPicPr>
-          <p:nvPr/>
-        </p:nvPicPr>
-        <p:blipFill>
-          <a:blip r:embed="rId13"/>
-          <a:stretch>
-            <a:fillRect/>
-          </a:stretch>
-        </p:blipFill>
-        <p:spPr>
-          <a:xfrm>
-            <a:off x="3768351" y="1099871"/>
-            <a:ext cx="1615513" cy="2444196"/>
-          </a:xfrm>
-          <a:prstGeom prst="rect">
-            <a:avLst/>
-          </a:prstGeom>
-        </p:spPr>
-      </p:pic>
+        <p:txBody>
+          <a:bodyPr/>
+          <a:lstStyle/>
+          <a:p>
+            <a:r>
+              <a:rPr lang="fr-FR" dirty="0"/>
+              <a:t>Analyse prédictive</a:t>
+            </a:r>
+          </a:p>
+        </p:txBody>
+      </p:sp>
     </p:spTree>
     <p:extLst>
       <p:ext uri="{BB962C8B-B14F-4D97-AF65-F5344CB8AC3E}">
-        <p14:creationId xmlns:p14="http://schemas.microsoft.com/office/powerpoint/2010/main" val="1276586304"/>
+        <p14:creationId xmlns:p14="http://schemas.microsoft.com/office/powerpoint/2010/main" val="2077493828"/>
       </p:ext>
     </p:extLst>
   </p:cSld>
@@ -11452,7 +11822,7 @@
 </p:sld>
 </file>
 
-<file path=ppt/slides/slide5.xml><?xml version="1.0" encoding="utf-8"?>
+<file path=ppt/slides/slide6.xml><?xml version="1.0" encoding="utf-8"?>
 <p:sld xmlns:a="http://schemas.openxmlformats.org/drawingml/2006/main" xmlns:r="http://schemas.openxmlformats.org/officeDocument/2006/relationships" xmlns:p="http://schemas.openxmlformats.org/presentationml/2006/main">
   <p:cSld>
     <p:spTree>
@@ -11575,8 +11945,13 @@
             </a:pPr>
             <a:r>
               <a:rPr lang="fr-FR" sz="1600" dirty="0"/>
-              <a:t>Elaboration de la base de données et réflexion sur le rafraichissement de celle-ci</a:t>
+              <a:t>Elaboration de la base de données et réflexion sur le rafraichissement de celle-ci. </a:t>
             </a:r>
+            <a:r>
+              <a:rPr lang="fr-FR" sz="1600"/>
+              <a:t>Réalisation du MCD</a:t>
+            </a:r>
+            <a:endParaRPr lang="fr-FR" sz="1600" dirty="0"/>
           </a:p>
           <a:p>
             <a:pPr marL="285750" indent="-285750">
